--- a/FFPM/FFPM 283.pptx
+++ b/FFPM/FFPM 283.pptx
@@ -7,10 +7,15 @@
   <p:sldIdLst>
     <p:sldId id="256" r:id="rId2"/>
     <p:sldId id="257" r:id="rId3"/>
-    <p:sldId id="258" r:id="rId4"/>
-    <p:sldId id="259" r:id="rId5"/>
-    <p:sldId id="260" r:id="rId6"/>
-    <p:sldId id="261" r:id="rId7"/>
+    <p:sldId id="262" r:id="rId4"/>
+    <p:sldId id="258" r:id="rId5"/>
+    <p:sldId id="263" r:id="rId6"/>
+    <p:sldId id="259" r:id="rId7"/>
+    <p:sldId id="265" r:id="rId8"/>
+    <p:sldId id="260" r:id="rId9"/>
+    <p:sldId id="266" r:id="rId10"/>
+    <p:sldId id="261" r:id="rId11"/>
+    <p:sldId id="264" r:id="rId12"/>
   </p:sldIdLst>
   <p:sldSz cx="9144000" cy="5143500" type="screen16x9"/>
   <p:notesSz cx="6858000" cy="9144000"/>
@@ -109,6 +114,22 @@
       </a:defRPr>
     </a:lvl9pPr>
   </p:defaultTextStyle>
+  <p:extLst>
+    <p:ext uri="{EFAFB233-063F-42B5-8137-9DF3F51BA10A}">
+      <p15:sldGuideLst xmlns:p15="http://schemas.microsoft.com/office/powerpoint/2012/main">
+        <p15:guide id="1" orient="horz" pos="1620">
+          <p15:clr>
+            <a:srgbClr val="A4A3A4"/>
+          </p15:clr>
+        </p15:guide>
+        <p15:guide id="2" pos="2880">
+          <p15:clr>
+            <a:srgbClr val="A4A3A4"/>
+          </p15:clr>
+        </p15:guide>
+      </p15:sldGuideLst>
+    </p:ext>
+  </p:extLst>
 </p:presentation>
 </file>
 
@@ -150,10 +171,9 @@
           <a:lstStyle/>
           <a:p>
             <a:r>
-              <a:rPr lang="fr-FR" smtClean="0"/>
+              <a:rPr lang="fr-FR"/>
               <a:t>Cliquez pour modifier le style du titre</a:t>
             </a:r>
-            <a:endParaRPr lang="fr-FR"/>
           </a:p>
         </p:txBody>
       </p:sp>
@@ -269,10 +289,9 @@
           </a:lstStyle>
           <a:p>
             <a:r>
-              <a:rPr lang="fr-FR" smtClean="0"/>
+              <a:rPr lang="fr-FR"/>
               <a:t>Cliquez pour modifier le style des sous-titres du masque</a:t>
             </a:r>
-            <a:endParaRPr lang="fr-FR"/>
           </a:p>
         </p:txBody>
       </p:sp>
@@ -293,7 +312,7 @@
           <a:p>
             <a:fld id="{6C20122F-61A2-464C-98A0-10E913B2311D}" type="datetimeFigureOut">
               <a:rPr lang="fr-FR" smtClean="0"/>
-              <a:t>20/08/2014</a:t>
+              <a:t>05/05/2024</a:t>
             </a:fld>
             <a:endParaRPr lang="fr-FR"/>
           </a:p>
@@ -382,10 +401,9 @@
           <a:lstStyle/>
           <a:p>
             <a:r>
-              <a:rPr lang="fr-FR" smtClean="0"/>
+              <a:rPr lang="fr-FR"/>
               <a:t>Cliquez pour modifier le style du titre</a:t>
             </a:r>
-            <a:endParaRPr lang="fr-FR"/>
           </a:p>
         </p:txBody>
       </p:sp>
@@ -406,38 +424,37 @@
           <a:p>
             <a:pPr lvl="0"/>
             <a:r>
-              <a:rPr lang="fr-FR" smtClean="0"/>
+              <a:rPr lang="fr-FR"/>
               <a:t>Cliquez pour modifier les styles du texte du masque</a:t>
             </a:r>
           </a:p>
           <a:p>
             <a:pPr lvl="1"/>
             <a:r>
-              <a:rPr lang="fr-FR" smtClean="0"/>
+              <a:rPr lang="fr-FR"/>
               <a:t>Deuxième niveau</a:t>
             </a:r>
           </a:p>
           <a:p>
             <a:pPr lvl="2"/>
             <a:r>
-              <a:rPr lang="fr-FR" smtClean="0"/>
+              <a:rPr lang="fr-FR"/>
               <a:t>Troisième niveau</a:t>
             </a:r>
           </a:p>
           <a:p>
             <a:pPr lvl="3"/>
             <a:r>
-              <a:rPr lang="fr-FR" smtClean="0"/>
+              <a:rPr lang="fr-FR"/>
               <a:t>Quatrième niveau</a:t>
             </a:r>
           </a:p>
           <a:p>
             <a:pPr lvl="4"/>
             <a:r>
-              <a:rPr lang="fr-FR" smtClean="0"/>
+              <a:rPr lang="fr-FR"/>
               <a:t>Cinquième niveau</a:t>
             </a:r>
-            <a:endParaRPr lang="fr-FR"/>
           </a:p>
         </p:txBody>
       </p:sp>
@@ -458,7 +475,7 @@
           <a:p>
             <a:fld id="{6C20122F-61A2-464C-98A0-10E913B2311D}" type="datetimeFigureOut">
               <a:rPr lang="fr-FR" smtClean="0"/>
-              <a:t>20/08/2014</a:t>
+              <a:t>05/05/2024</a:t>
             </a:fld>
             <a:endParaRPr lang="fr-FR"/>
           </a:p>
@@ -552,10 +569,9 @@
           <a:lstStyle/>
           <a:p>
             <a:r>
-              <a:rPr lang="fr-FR" smtClean="0"/>
+              <a:rPr lang="fr-FR"/>
               <a:t>Cliquez pour modifier le style du titre</a:t>
             </a:r>
-            <a:endParaRPr lang="fr-FR"/>
           </a:p>
         </p:txBody>
       </p:sp>
@@ -581,38 +597,37 @@
           <a:p>
             <a:pPr lvl="0"/>
             <a:r>
-              <a:rPr lang="fr-FR" smtClean="0"/>
+              <a:rPr lang="fr-FR"/>
               <a:t>Cliquez pour modifier les styles du texte du masque</a:t>
             </a:r>
           </a:p>
           <a:p>
             <a:pPr lvl="1"/>
             <a:r>
-              <a:rPr lang="fr-FR" smtClean="0"/>
+              <a:rPr lang="fr-FR"/>
               <a:t>Deuxième niveau</a:t>
             </a:r>
           </a:p>
           <a:p>
             <a:pPr lvl="2"/>
             <a:r>
-              <a:rPr lang="fr-FR" smtClean="0"/>
+              <a:rPr lang="fr-FR"/>
               <a:t>Troisième niveau</a:t>
             </a:r>
           </a:p>
           <a:p>
             <a:pPr lvl="3"/>
             <a:r>
-              <a:rPr lang="fr-FR" smtClean="0"/>
+              <a:rPr lang="fr-FR"/>
               <a:t>Quatrième niveau</a:t>
             </a:r>
           </a:p>
           <a:p>
             <a:pPr lvl="4"/>
             <a:r>
-              <a:rPr lang="fr-FR" smtClean="0"/>
+              <a:rPr lang="fr-FR"/>
               <a:t>Cinquième niveau</a:t>
             </a:r>
-            <a:endParaRPr lang="fr-FR"/>
           </a:p>
         </p:txBody>
       </p:sp>
@@ -633,7 +648,7 @@
           <a:p>
             <a:fld id="{6C20122F-61A2-464C-98A0-10E913B2311D}" type="datetimeFigureOut">
               <a:rPr lang="fr-FR" smtClean="0"/>
-              <a:t>20/08/2014</a:t>
+              <a:t>05/05/2024</a:t>
             </a:fld>
             <a:endParaRPr lang="fr-FR"/>
           </a:p>
@@ -722,10 +737,9 @@
           <a:lstStyle/>
           <a:p>
             <a:r>
-              <a:rPr lang="fr-FR" smtClean="0"/>
+              <a:rPr lang="fr-FR"/>
               <a:t>Cliquez pour modifier le style du titre</a:t>
             </a:r>
-            <a:endParaRPr lang="fr-FR"/>
           </a:p>
         </p:txBody>
       </p:sp>
@@ -746,38 +760,37 @@
           <a:p>
             <a:pPr lvl="0"/>
             <a:r>
-              <a:rPr lang="fr-FR" smtClean="0"/>
+              <a:rPr lang="fr-FR"/>
               <a:t>Cliquez pour modifier les styles du texte du masque</a:t>
             </a:r>
           </a:p>
           <a:p>
             <a:pPr lvl="1"/>
             <a:r>
-              <a:rPr lang="fr-FR" smtClean="0"/>
+              <a:rPr lang="fr-FR"/>
               <a:t>Deuxième niveau</a:t>
             </a:r>
           </a:p>
           <a:p>
             <a:pPr lvl="2"/>
             <a:r>
-              <a:rPr lang="fr-FR" smtClean="0"/>
+              <a:rPr lang="fr-FR"/>
               <a:t>Troisième niveau</a:t>
             </a:r>
           </a:p>
           <a:p>
             <a:pPr lvl="3"/>
             <a:r>
-              <a:rPr lang="fr-FR" smtClean="0"/>
+              <a:rPr lang="fr-FR"/>
               <a:t>Quatrième niveau</a:t>
             </a:r>
           </a:p>
           <a:p>
             <a:pPr lvl="4"/>
             <a:r>
-              <a:rPr lang="fr-FR" smtClean="0"/>
+              <a:rPr lang="fr-FR"/>
               <a:t>Cinquième niveau</a:t>
             </a:r>
-            <a:endParaRPr lang="fr-FR"/>
           </a:p>
         </p:txBody>
       </p:sp>
@@ -798,7 +811,7 @@
           <a:p>
             <a:fld id="{6C20122F-61A2-464C-98A0-10E913B2311D}" type="datetimeFigureOut">
               <a:rPr lang="fr-FR" smtClean="0"/>
-              <a:t>20/08/2014</a:t>
+              <a:t>05/05/2024</a:t>
             </a:fld>
             <a:endParaRPr lang="fr-FR"/>
           </a:p>
@@ -896,10 +909,9 @@
           </a:lstStyle>
           <a:p>
             <a:r>
-              <a:rPr lang="fr-FR" smtClean="0"/>
+              <a:rPr lang="fr-FR"/>
               <a:t>Cliquez pour modifier le style du titre</a:t>
             </a:r>
-            <a:endParaRPr lang="fr-FR"/>
           </a:p>
         </p:txBody>
       </p:sp>
@@ -1016,7 +1028,7 @@
           <a:p>
             <a:pPr lvl="0"/>
             <a:r>
-              <a:rPr lang="fr-FR" smtClean="0"/>
+              <a:rPr lang="fr-FR"/>
               <a:t>Cliquez pour modifier les styles du texte du masque</a:t>
             </a:r>
           </a:p>
@@ -1039,7 +1051,7 @@
           <a:p>
             <a:fld id="{6C20122F-61A2-464C-98A0-10E913B2311D}" type="datetimeFigureOut">
               <a:rPr lang="fr-FR" smtClean="0"/>
-              <a:t>20/08/2014</a:t>
+              <a:t>05/05/2024</a:t>
             </a:fld>
             <a:endParaRPr lang="fr-FR"/>
           </a:p>
@@ -1128,10 +1140,9 @@
           <a:lstStyle/>
           <a:p>
             <a:r>
-              <a:rPr lang="fr-FR" smtClean="0"/>
+              <a:rPr lang="fr-FR"/>
               <a:t>Cliquez pour modifier le style du titre</a:t>
             </a:r>
-            <a:endParaRPr lang="fr-FR"/>
           </a:p>
         </p:txBody>
       </p:sp>
@@ -1185,38 +1196,37 @@
           <a:p>
             <a:pPr lvl="0"/>
             <a:r>
-              <a:rPr lang="fr-FR" smtClean="0"/>
+              <a:rPr lang="fr-FR"/>
               <a:t>Cliquez pour modifier les styles du texte du masque</a:t>
             </a:r>
           </a:p>
           <a:p>
             <a:pPr lvl="1"/>
             <a:r>
-              <a:rPr lang="fr-FR" smtClean="0"/>
+              <a:rPr lang="fr-FR"/>
               <a:t>Deuxième niveau</a:t>
             </a:r>
           </a:p>
           <a:p>
             <a:pPr lvl="2"/>
             <a:r>
-              <a:rPr lang="fr-FR" smtClean="0"/>
+              <a:rPr lang="fr-FR"/>
               <a:t>Troisième niveau</a:t>
             </a:r>
           </a:p>
           <a:p>
             <a:pPr lvl="3"/>
             <a:r>
-              <a:rPr lang="fr-FR" smtClean="0"/>
+              <a:rPr lang="fr-FR"/>
               <a:t>Quatrième niveau</a:t>
             </a:r>
           </a:p>
           <a:p>
             <a:pPr lvl="4"/>
             <a:r>
-              <a:rPr lang="fr-FR" smtClean="0"/>
+              <a:rPr lang="fr-FR"/>
               <a:t>Cinquième niveau</a:t>
             </a:r>
-            <a:endParaRPr lang="fr-FR"/>
           </a:p>
         </p:txBody>
       </p:sp>
@@ -1270,38 +1280,37 @@
           <a:p>
             <a:pPr lvl="0"/>
             <a:r>
-              <a:rPr lang="fr-FR" smtClean="0"/>
+              <a:rPr lang="fr-FR"/>
               <a:t>Cliquez pour modifier les styles du texte du masque</a:t>
             </a:r>
           </a:p>
           <a:p>
             <a:pPr lvl="1"/>
             <a:r>
-              <a:rPr lang="fr-FR" smtClean="0"/>
+              <a:rPr lang="fr-FR"/>
               <a:t>Deuxième niveau</a:t>
             </a:r>
           </a:p>
           <a:p>
             <a:pPr lvl="2"/>
             <a:r>
-              <a:rPr lang="fr-FR" smtClean="0"/>
+              <a:rPr lang="fr-FR"/>
               <a:t>Troisième niveau</a:t>
             </a:r>
           </a:p>
           <a:p>
             <a:pPr lvl="3"/>
             <a:r>
-              <a:rPr lang="fr-FR" smtClean="0"/>
+              <a:rPr lang="fr-FR"/>
               <a:t>Quatrième niveau</a:t>
             </a:r>
           </a:p>
           <a:p>
             <a:pPr lvl="4"/>
             <a:r>
-              <a:rPr lang="fr-FR" smtClean="0"/>
+              <a:rPr lang="fr-FR"/>
               <a:t>Cinquième niveau</a:t>
             </a:r>
-            <a:endParaRPr lang="fr-FR"/>
           </a:p>
         </p:txBody>
       </p:sp>
@@ -1322,7 +1331,7 @@
           <a:p>
             <a:fld id="{6C20122F-61A2-464C-98A0-10E913B2311D}" type="datetimeFigureOut">
               <a:rPr lang="fr-FR" smtClean="0"/>
-              <a:t>20/08/2014</a:t>
+              <a:t>05/05/2024</a:t>
             </a:fld>
             <a:endParaRPr lang="fr-FR"/>
           </a:p>
@@ -1415,10 +1424,9 @@
           </a:lstStyle>
           <a:p>
             <a:r>
-              <a:rPr lang="fr-FR" smtClean="0"/>
+              <a:rPr lang="fr-FR"/>
               <a:t>Cliquez pour modifier le style du titre</a:t>
             </a:r>
-            <a:endParaRPr lang="fr-FR"/>
           </a:p>
         </p:txBody>
       </p:sp>
@@ -1481,7 +1489,7 @@
           <a:p>
             <a:pPr lvl="0"/>
             <a:r>
-              <a:rPr lang="fr-FR" smtClean="0"/>
+              <a:rPr lang="fr-FR"/>
               <a:t>Cliquez pour modifier les styles du texte du masque</a:t>
             </a:r>
           </a:p>
@@ -1537,38 +1545,37 @@
           <a:p>
             <a:pPr lvl="0"/>
             <a:r>
-              <a:rPr lang="fr-FR" smtClean="0"/>
+              <a:rPr lang="fr-FR"/>
               <a:t>Cliquez pour modifier les styles du texte du masque</a:t>
             </a:r>
           </a:p>
           <a:p>
             <a:pPr lvl="1"/>
             <a:r>
-              <a:rPr lang="fr-FR" smtClean="0"/>
+              <a:rPr lang="fr-FR"/>
               <a:t>Deuxième niveau</a:t>
             </a:r>
           </a:p>
           <a:p>
             <a:pPr lvl="2"/>
             <a:r>
-              <a:rPr lang="fr-FR" smtClean="0"/>
+              <a:rPr lang="fr-FR"/>
               <a:t>Troisième niveau</a:t>
             </a:r>
           </a:p>
           <a:p>
             <a:pPr lvl="3"/>
             <a:r>
-              <a:rPr lang="fr-FR" smtClean="0"/>
+              <a:rPr lang="fr-FR"/>
               <a:t>Quatrième niveau</a:t>
             </a:r>
           </a:p>
           <a:p>
             <a:pPr lvl="4"/>
             <a:r>
-              <a:rPr lang="fr-FR" smtClean="0"/>
+              <a:rPr lang="fr-FR"/>
               <a:t>Cinquième niveau</a:t>
             </a:r>
-            <a:endParaRPr lang="fr-FR"/>
           </a:p>
         </p:txBody>
       </p:sp>
@@ -1631,7 +1638,7 @@
           <a:p>
             <a:pPr lvl="0"/>
             <a:r>
-              <a:rPr lang="fr-FR" smtClean="0"/>
+              <a:rPr lang="fr-FR"/>
               <a:t>Cliquez pour modifier les styles du texte du masque</a:t>
             </a:r>
           </a:p>
@@ -1687,38 +1694,37 @@
           <a:p>
             <a:pPr lvl="0"/>
             <a:r>
-              <a:rPr lang="fr-FR" smtClean="0"/>
+              <a:rPr lang="fr-FR"/>
               <a:t>Cliquez pour modifier les styles du texte du masque</a:t>
             </a:r>
           </a:p>
           <a:p>
             <a:pPr lvl="1"/>
             <a:r>
-              <a:rPr lang="fr-FR" smtClean="0"/>
+              <a:rPr lang="fr-FR"/>
               <a:t>Deuxième niveau</a:t>
             </a:r>
           </a:p>
           <a:p>
             <a:pPr lvl="2"/>
             <a:r>
-              <a:rPr lang="fr-FR" smtClean="0"/>
+              <a:rPr lang="fr-FR"/>
               <a:t>Troisième niveau</a:t>
             </a:r>
           </a:p>
           <a:p>
             <a:pPr lvl="3"/>
             <a:r>
-              <a:rPr lang="fr-FR" smtClean="0"/>
+              <a:rPr lang="fr-FR"/>
               <a:t>Quatrième niveau</a:t>
             </a:r>
           </a:p>
           <a:p>
             <a:pPr lvl="4"/>
             <a:r>
-              <a:rPr lang="fr-FR" smtClean="0"/>
+              <a:rPr lang="fr-FR"/>
               <a:t>Cinquième niveau</a:t>
             </a:r>
-            <a:endParaRPr lang="fr-FR"/>
           </a:p>
         </p:txBody>
       </p:sp>
@@ -1739,7 +1745,7 @@
           <a:p>
             <a:fld id="{6C20122F-61A2-464C-98A0-10E913B2311D}" type="datetimeFigureOut">
               <a:rPr lang="fr-FR" smtClean="0"/>
-              <a:t>20/08/2014</a:t>
+              <a:t>05/05/2024</a:t>
             </a:fld>
             <a:endParaRPr lang="fr-FR"/>
           </a:p>
@@ -1828,10 +1834,9 @@
           <a:lstStyle/>
           <a:p>
             <a:r>
-              <a:rPr lang="fr-FR" smtClean="0"/>
+              <a:rPr lang="fr-FR"/>
               <a:t>Cliquez pour modifier le style du titre</a:t>
             </a:r>
-            <a:endParaRPr lang="fr-FR"/>
           </a:p>
         </p:txBody>
       </p:sp>
@@ -1852,7 +1857,7 @@
           <a:p>
             <a:fld id="{6C20122F-61A2-464C-98A0-10E913B2311D}" type="datetimeFigureOut">
               <a:rPr lang="fr-FR" smtClean="0"/>
-              <a:t>20/08/2014</a:t>
+              <a:t>05/05/2024</a:t>
             </a:fld>
             <a:endParaRPr lang="fr-FR"/>
           </a:p>
@@ -1942,7 +1947,7 @@
           <a:p>
             <a:fld id="{6C20122F-61A2-464C-98A0-10E913B2311D}" type="datetimeFigureOut">
               <a:rPr lang="fr-FR" smtClean="0"/>
-              <a:t>20/08/2014</a:t>
+              <a:t>05/05/2024</a:t>
             </a:fld>
             <a:endParaRPr lang="fr-FR"/>
           </a:p>
@@ -2040,10 +2045,9 @@
           </a:lstStyle>
           <a:p>
             <a:r>
-              <a:rPr lang="fr-FR" smtClean="0"/>
+              <a:rPr lang="fr-FR"/>
               <a:t>Cliquez pour modifier le style du titre</a:t>
             </a:r>
-            <a:endParaRPr lang="fr-FR"/>
           </a:p>
         </p:txBody>
       </p:sp>
@@ -2097,38 +2101,37 @@
           <a:p>
             <a:pPr lvl="0"/>
             <a:r>
-              <a:rPr lang="fr-FR" smtClean="0"/>
+              <a:rPr lang="fr-FR"/>
               <a:t>Cliquez pour modifier les styles du texte du masque</a:t>
             </a:r>
           </a:p>
           <a:p>
             <a:pPr lvl="1"/>
             <a:r>
-              <a:rPr lang="fr-FR" smtClean="0"/>
+              <a:rPr lang="fr-FR"/>
               <a:t>Deuxième niveau</a:t>
             </a:r>
           </a:p>
           <a:p>
             <a:pPr lvl="2"/>
             <a:r>
-              <a:rPr lang="fr-FR" smtClean="0"/>
+              <a:rPr lang="fr-FR"/>
               <a:t>Troisième niveau</a:t>
             </a:r>
           </a:p>
           <a:p>
             <a:pPr lvl="3"/>
             <a:r>
-              <a:rPr lang="fr-FR" smtClean="0"/>
+              <a:rPr lang="fr-FR"/>
               <a:t>Quatrième niveau</a:t>
             </a:r>
           </a:p>
           <a:p>
             <a:pPr lvl="4"/>
             <a:r>
-              <a:rPr lang="fr-FR" smtClean="0"/>
+              <a:rPr lang="fr-FR"/>
               <a:t>Cinquième niveau</a:t>
             </a:r>
-            <a:endParaRPr lang="fr-FR"/>
           </a:p>
         </p:txBody>
       </p:sp>
@@ -2191,7 +2194,7 @@
           <a:p>
             <a:pPr lvl="0"/>
             <a:r>
-              <a:rPr lang="fr-FR" smtClean="0"/>
+              <a:rPr lang="fr-FR"/>
               <a:t>Cliquez pour modifier les styles du texte du masque</a:t>
             </a:r>
           </a:p>
@@ -2214,7 +2217,7 @@
           <a:p>
             <a:fld id="{6C20122F-61A2-464C-98A0-10E913B2311D}" type="datetimeFigureOut">
               <a:rPr lang="fr-FR" smtClean="0"/>
-              <a:t>20/08/2014</a:t>
+              <a:t>05/05/2024</a:t>
             </a:fld>
             <a:endParaRPr lang="fr-FR"/>
           </a:p>
@@ -2312,10 +2315,9 @@
           </a:lstStyle>
           <a:p>
             <a:r>
-              <a:rPr lang="fr-FR" smtClean="0"/>
+              <a:rPr lang="fr-FR"/>
               <a:t>Cliquez pour modifier le style du titre</a:t>
             </a:r>
-            <a:endParaRPr lang="fr-FR"/>
           </a:p>
         </p:txBody>
       </p:sp>
@@ -2439,7 +2441,7 @@
           <a:p>
             <a:pPr lvl="0"/>
             <a:r>
-              <a:rPr lang="fr-FR" smtClean="0"/>
+              <a:rPr lang="fr-FR"/>
               <a:t>Cliquez pour modifier les styles du texte du masque</a:t>
             </a:r>
           </a:p>
@@ -2462,7 +2464,7 @@
           <a:p>
             <a:fld id="{6C20122F-61A2-464C-98A0-10E913B2311D}" type="datetimeFigureOut">
               <a:rPr lang="fr-FR" smtClean="0"/>
-              <a:t>20/08/2014</a:t>
+              <a:t>05/05/2024</a:t>
             </a:fld>
             <a:endParaRPr lang="fr-FR"/>
           </a:p>
@@ -2566,10 +2568,9 @@
           <a:lstStyle/>
           <a:p>
             <a:r>
-              <a:rPr lang="fr-FR" smtClean="0"/>
+              <a:rPr lang="fr-FR"/>
               <a:t>Cliquez pour modifier le style du titre</a:t>
             </a:r>
-            <a:endParaRPr lang="fr-FR"/>
           </a:p>
         </p:txBody>
       </p:sp>
@@ -2600,38 +2601,37 @@
           <a:p>
             <a:pPr lvl="0"/>
             <a:r>
-              <a:rPr lang="fr-FR" smtClean="0"/>
+              <a:rPr lang="fr-FR"/>
               <a:t>Cliquez pour modifier les styles du texte du masque</a:t>
             </a:r>
           </a:p>
           <a:p>
             <a:pPr lvl="1"/>
             <a:r>
-              <a:rPr lang="fr-FR" smtClean="0"/>
+              <a:rPr lang="fr-FR"/>
               <a:t>Deuxième niveau</a:t>
             </a:r>
           </a:p>
           <a:p>
             <a:pPr lvl="2"/>
             <a:r>
-              <a:rPr lang="fr-FR" smtClean="0"/>
+              <a:rPr lang="fr-FR"/>
               <a:t>Troisième niveau</a:t>
             </a:r>
           </a:p>
           <a:p>
             <a:pPr lvl="3"/>
             <a:r>
-              <a:rPr lang="fr-FR" smtClean="0"/>
+              <a:rPr lang="fr-FR"/>
               <a:t>Quatrième niveau</a:t>
             </a:r>
           </a:p>
           <a:p>
             <a:pPr lvl="4"/>
             <a:r>
-              <a:rPr lang="fr-FR" smtClean="0"/>
+              <a:rPr lang="fr-FR"/>
               <a:t>Cinquième niveau</a:t>
             </a:r>
-            <a:endParaRPr lang="fr-FR"/>
           </a:p>
         </p:txBody>
       </p:sp>
@@ -2670,7 +2670,7 @@
           <a:p>
             <a:fld id="{6C20122F-61A2-464C-98A0-10E913B2311D}" type="datetimeFigureOut">
               <a:rPr lang="fr-FR" smtClean="0"/>
-              <a:t>20/08/2014</a:t>
+              <a:t>05/05/2024</a:t>
             </a:fld>
             <a:endParaRPr lang="fr-FR"/>
           </a:p>
@@ -3058,10 +3058,9 @@
           <a:lstStyle/>
           <a:p>
             <a:r>
-              <a:rPr lang="fr-FR" sz="7200" b="1" dirty="0" smtClean="0"/>
+              <a:rPr lang="fr-FR" sz="7200" b="1" dirty="0"/>
               <a:t>283</a:t>
             </a:r>
-            <a:endParaRPr lang="fr-FR" sz="7200" b="1" dirty="0"/>
           </a:p>
         </p:txBody>
       </p:sp>
@@ -3113,13 +3112,338 @@
   <p:clrMapOvr>
     <a:masterClrMapping/>
   </p:clrMapOvr>
-  <p:timing>
-    <p:tnLst>
-      <p:par>
-        <p:cTn id="1" dur="indefinite" restart="never" nodeType="tmRoot"/>
-      </p:par>
-    </p:tnLst>
-  </p:timing>
+</p:sld>
+</file>
+
+<file path=ppt/slides/slide10.xml><?xml version="1.0" encoding="utf-8"?>
+<p:sld xmlns:a="http://schemas.openxmlformats.org/drawingml/2006/main" xmlns:r="http://schemas.openxmlformats.org/officeDocument/2006/relationships" xmlns:p="http://schemas.openxmlformats.org/presentationml/2006/main">
+  <p:cSld>
+    <p:spTree>
+      <p:nvGrpSpPr>
+        <p:cNvPr id="1" name=""/>
+        <p:cNvGrpSpPr/>
+        <p:nvPr/>
+      </p:nvGrpSpPr>
+      <p:grpSpPr>
+        <a:xfrm>
+          <a:off x="0" y="0"/>
+          <a:ext cx="0" cy="0"/>
+          <a:chOff x="0" y="0"/>
+          <a:chExt cx="0" cy="0"/>
+        </a:xfrm>
+      </p:grpSpPr>
+      <p:sp>
+        <p:nvSpPr>
+          <p:cNvPr id="2" name="Titre 1"/>
+          <p:cNvSpPr>
+            <a:spLocks noGrp="1"/>
+          </p:cNvSpPr>
+          <p:nvPr>
+            <p:ph type="ctrTitle"/>
+          </p:nvPr>
+        </p:nvSpPr>
+        <p:spPr>
+          <a:xfrm>
+            <a:off x="685800" y="681541"/>
+            <a:ext cx="7772400" cy="3726414"/>
+          </a:xfrm>
+        </p:spPr>
+        <p:txBody>
+          <a:bodyPr>
+            <a:noAutofit/>
+          </a:bodyPr>
+          <a:lstStyle/>
+          <a:p>
+            <a:r>
+              <a:rPr lang="nl-NL" sz="6000" b="1" dirty="0"/>
+              <a:t>5) </a:t>
+            </a:r>
+            <a:r>
+              <a:rPr lang="nl-NL" sz="6000" b="1" dirty="0" err="1"/>
+              <a:t>Nefa</a:t>
+            </a:r>
+            <a:r>
+              <a:rPr lang="nl-NL" sz="6000" b="1" dirty="0"/>
+              <a:t> </a:t>
+            </a:r>
+            <a:r>
+              <a:rPr lang="nl-NL" sz="6000" b="1" dirty="0" err="1"/>
+              <a:t>rah</a:t>
+            </a:r>
+            <a:r>
+              <a:rPr lang="nl-NL" sz="6000" b="1" i="1" dirty="0" err="1"/>
+              <a:t>a</a:t>
+            </a:r>
+            <a:r>
+              <a:rPr lang="nl-NL" sz="6000" b="1" dirty="0"/>
+              <a:t>  </a:t>
+            </a:r>
+            <a:r>
+              <a:rPr lang="nl-NL" sz="6000" b="1" dirty="0" err="1"/>
+              <a:t>izaho</a:t>
+            </a:r>
+            <a:r>
+              <a:rPr lang="nl-NL" sz="6000" b="1" dirty="0"/>
+              <a:t> </a:t>
+            </a:r>
+            <a:r>
+              <a:rPr lang="nl-NL" sz="6000" b="1" dirty="0" err="1"/>
+              <a:t>irery</a:t>
+            </a:r>
+            <a:br>
+              <a:rPr lang="fr-FR" sz="6000" b="1" dirty="0"/>
+            </a:br>
+            <a:r>
+              <a:rPr lang="nl-NL" sz="6000" b="1" dirty="0"/>
+              <a:t>    </a:t>
+            </a:r>
+            <a:r>
+              <a:rPr lang="en-GB" sz="6000" b="1" dirty="0" err="1"/>
+              <a:t>Tsy</a:t>
+            </a:r>
+            <a:r>
+              <a:rPr lang="en-GB" sz="6000" b="1" dirty="0"/>
+              <a:t> </a:t>
+            </a:r>
+            <a:r>
+              <a:rPr lang="en-GB" sz="6000" b="1" dirty="0" err="1"/>
+              <a:t>mahef</a:t>
+            </a:r>
+            <a:r>
+              <a:rPr lang="en-GB" sz="6000" b="1" i="1" dirty="0" err="1"/>
+              <a:t>a</a:t>
+            </a:r>
+            <a:r>
+              <a:rPr lang="en-GB" sz="6000" b="1" dirty="0"/>
+              <a:t>  </a:t>
+            </a:r>
+            <a:r>
+              <a:rPr lang="en-GB" sz="6000" b="1" dirty="0" err="1"/>
+              <a:t>izao</a:t>
+            </a:r>
+            <a:r>
+              <a:rPr lang="en-GB" sz="6000" b="1" dirty="0"/>
+              <a:t>,</a:t>
+            </a:r>
+            <a:br>
+              <a:rPr lang="fr-FR" sz="6000" b="1" dirty="0"/>
+            </a:br>
+            <a:r>
+              <a:rPr lang="en-GB" sz="6000" b="1" dirty="0"/>
+              <a:t>   Ka </a:t>
+            </a:r>
+            <a:r>
+              <a:rPr lang="en-GB" sz="6000" b="1" dirty="0" err="1"/>
+              <a:t>mangataka</a:t>
+            </a:r>
+            <a:r>
+              <a:rPr lang="en-GB" sz="6000" b="1" dirty="0"/>
+              <a:t> </a:t>
+            </a:r>
+            <a:r>
+              <a:rPr lang="en-GB" sz="6000" b="1" dirty="0" err="1"/>
+              <a:t>ny</a:t>
+            </a:r>
+            <a:r>
+              <a:rPr lang="en-GB" sz="6000" b="1" dirty="0"/>
+              <a:t> </a:t>
+            </a:r>
+            <a:r>
+              <a:rPr lang="en-GB" sz="6000" b="1" dirty="0" err="1"/>
+              <a:t>hery</a:t>
+            </a:r>
+            <a:br>
+              <a:rPr lang="fr-FR" sz="6000" b="1" dirty="0"/>
+            </a:br>
+            <a:r>
+              <a:rPr lang="en-GB" sz="6000" b="1" dirty="0"/>
+              <a:t>    </a:t>
+            </a:r>
+            <a:r>
+              <a:rPr lang="en-GB" sz="6000" b="1" dirty="0" err="1"/>
+              <a:t>Eo</a:t>
+            </a:r>
+            <a:r>
+              <a:rPr lang="en-GB" sz="6000" b="1" dirty="0"/>
+              <a:t> an-</a:t>
+            </a:r>
+            <a:r>
+              <a:rPr lang="en-GB" sz="6000" b="1" dirty="0" err="1"/>
+              <a:t>tananao</a:t>
+            </a:r>
+            <a:r>
+              <a:rPr lang="en-GB" sz="6000" b="1" dirty="0"/>
+              <a:t>,</a:t>
+            </a:r>
+            <a:endParaRPr lang="fr-FR" sz="6000" b="1" dirty="0"/>
+          </a:p>
+        </p:txBody>
+      </p:sp>
+    </p:spTree>
+  </p:cSld>
+  <p:clrMapOvr>
+    <a:masterClrMapping/>
+  </p:clrMapOvr>
+</p:sld>
+</file>
+
+<file path=ppt/slides/slide11.xml><?xml version="1.0" encoding="utf-8"?>
+<p:sld xmlns:a="http://schemas.openxmlformats.org/drawingml/2006/main" xmlns:r="http://schemas.openxmlformats.org/officeDocument/2006/relationships" xmlns:p="http://schemas.openxmlformats.org/presentationml/2006/main">
+  <p:cSld>
+    <p:spTree>
+      <p:nvGrpSpPr>
+        <p:cNvPr id="1" name=""/>
+        <p:cNvGrpSpPr/>
+        <p:nvPr/>
+      </p:nvGrpSpPr>
+      <p:grpSpPr>
+        <a:xfrm>
+          <a:off x="0" y="0"/>
+          <a:ext cx="0" cy="0"/>
+          <a:chOff x="0" y="0"/>
+          <a:chExt cx="0" cy="0"/>
+        </a:xfrm>
+      </p:grpSpPr>
+      <p:sp>
+        <p:nvSpPr>
+          <p:cNvPr id="5" name="ZoneTexte 4">
+            <a:extLst>
+              <a:ext uri="{FF2B5EF4-FFF2-40B4-BE49-F238E27FC236}">
+                <a16:creationId xmlns:a16="http://schemas.microsoft.com/office/drawing/2014/main" id="{126661E6-CA93-4D56-AC74-DAC55FE48D02}"/>
+              </a:ext>
+            </a:extLst>
+          </p:cNvPr>
+          <p:cNvSpPr txBox="1"/>
+          <p:nvPr/>
+        </p:nvSpPr>
+        <p:spPr>
+          <a:xfrm>
+            <a:off x="107504" y="483519"/>
+            <a:ext cx="8928992" cy="4154984"/>
+          </a:xfrm>
+          <a:prstGeom prst="rect">
+            <a:avLst/>
+          </a:prstGeom>
+          <a:noFill/>
+        </p:spPr>
+        <p:txBody>
+          <a:bodyPr wrap="square">
+            <a:spAutoFit/>
+          </a:bodyPr>
+          <a:lstStyle/>
+          <a:p>
+            <a:pPr algn="ctr"/>
+            <a:r>
+              <a:rPr lang="en-GB" sz="6600" b="1" dirty="0" err="1"/>
+              <a:t>Aoka</a:t>
+            </a:r>
+            <a:r>
+              <a:rPr lang="en-GB" sz="6600" b="1" dirty="0"/>
+              <a:t> </a:t>
+            </a:r>
+            <a:r>
+              <a:rPr lang="en-GB" sz="6600" b="1" dirty="0" err="1"/>
+              <a:t>ho</a:t>
+            </a:r>
+            <a:r>
+              <a:rPr lang="en-GB" sz="6600" b="1" dirty="0"/>
+              <a:t> </a:t>
+            </a:r>
+            <a:r>
+              <a:rPr lang="en-GB" sz="6600" b="1" dirty="0" err="1"/>
+              <a:t>feno</a:t>
+            </a:r>
+            <a:r>
+              <a:rPr lang="en-GB" sz="6600" b="1" dirty="0"/>
+              <a:t> </a:t>
+            </a:r>
+            <a:r>
+              <a:rPr lang="en-GB" sz="6600" b="1" dirty="0" err="1"/>
+              <a:t>ny</a:t>
+            </a:r>
+            <a:r>
+              <a:rPr lang="en-GB" sz="6600" b="1" dirty="0"/>
+              <a:t> </a:t>
+            </a:r>
+            <a:r>
+              <a:rPr lang="en-GB" sz="6600" b="1" dirty="0" err="1"/>
+              <a:t>Fanahy</a:t>
+            </a:r>
+            <a:br>
+              <a:rPr lang="fr-FR" sz="6600" b="1" dirty="0"/>
+            </a:br>
+            <a:r>
+              <a:rPr lang="en-GB" sz="6600" b="1" dirty="0"/>
+              <a:t>    Ny </a:t>
+            </a:r>
+            <a:r>
+              <a:rPr lang="en-GB" sz="6600" b="1" dirty="0" err="1"/>
+              <a:t>mpanomponao</a:t>
+            </a:r>
+            <a:r>
+              <a:rPr lang="en-GB" sz="6600" b="1" dirty="0"/>
+              <a:t>,</a:t>
+            </a:r>
+            <a:br>
+              <a:rPr lang="fr-FR" sz="6600" b="1" dirty="0"/>
+            </a:br>
+            <a:r>
+              <a:rPr lang="en-GB" sz="6600" b="1" dirty="0"/>
+              <a:t>   Mba </a:t>
+            </a:r>
+            <a:r>
+              <a:rPr lang="en-GB" sz="6600" b="1" dirty="0" err="1"/>
+              <a:t>ho</a:t>
+            </a:r>
+            <a:r>
+              <a:rPr lang="en-GB" sz="6600" b="1" dirty="0"/>
+              <a:t> </a:t>
+            </a:r>
+            <a:r>
+              <a:rPr lang="en-GB" sz="6600" b="1" dirty="0" err="1"/>
+              <a:t>tena</a:t>
+            </a:r>
+            <a:r>
+              <a:rPr lang="en-GB" sz="6600" b="1" dirty="0"/>
+              <a:t> </a:t>
+            </a:r>
+            <a:r>
+              <a:rPr lang="en-GB" sz="6600" b="1" dirty="0" err="1"/>
+              <a:t>lehilahy</a:t>
+            </a:r>
+            <a:r>
+              <a:rPr lang="en-GB" sz="6600" b="1" dirty="0"/>
+              <a:t>*</a:t>
+            </a:r>
+            <a:br>
+              <a:rPr lang="fr-FR" sz="6600" b="1" dirty="0"/>
+            </a:br>
+            <a:r>
+              <a:rPr lang="en-GB" sz="6600" b="1" dirty="0"/>
+              <a:t>    </a:t>
+            </a:r>
+            <a:r>
+              <a:rPr lang="en-GB" sz="6600" b="1" dirty="0" err="1"/>
+              <a:t>Voahosotrao</a:t>
+            </a:r>
+            <a:r>
+              <a:rPr lang="en-GB" sz="6600" b="1" dirty="0"/>
+              <a:t>..</a:t>
+            </a:r>
+            <a:endParaRPr lang="fr-FR" sz="6600" dirty="0"/>
+          </a:p>
+        </p:txBody>
+      </p:sp>
+    </p:spTree>
+    <p:extLst>
+      <p:ext uri="{BB962C8B-B14F-4D97-AF65-F5344CB8AC3E}">
+        <p14:creationId xmlns:p14="http://schemas.microsoft.com/office/powerpoint/2010/main" val="2798756790"/>
+      </p:ext>
+    </p:extLst>
+  </p:cSld>
+  <p:clrMapOvr>
+    <a:masterClrMapping/>
+  </p:clrMapOvr>
 </p:sld>
 </file>
 
@@ -3152,234 +3476,114 @@
         </p:nvSpPr>
         <p:spPr>
           <a:xfrm>
-            <a:off x="685800" y="681541"/>
-            <a:ext cx="7772400" cy="3726414"/>
+            <a:off x="0" y="0"/>
+            <a:ext cx="9144000" cy="5143500"/>
           </a:xfrm>
         </p:spPr>
         <p:txBody>
           <a:bodyPr>
-            <a:normAutofit fontScale="90000"/>
+            <a:normAutofit/>
           </a:bodyPr>
           <a:lstStyle/>
           <a:p>
             <a:r>
-              <a:rPr lang="en-GB" b="1" dirty="0" smtClean="0"/>
+              <a:rPr lang="en-GB" sz="6000" b="1" dirty="0"/>
               <a:t>1) </a:t>
             </a:r>
             <a:r>
-              <a:rPr lang="en-GB" b="1" dirty="0" err="1"/>
+              <a:rPr lang="en-GB" sz="6000" b="1" dirty="0" err="1"/>
               <a:t>Manan-jara</a:t>
             </a:r>
             <a:r>
-              <a:rPr lang="en-GB" b="1" dirty="0"/>
+              <a:rPr lang="en-GB" sz="6000" b="1" dirty="0"/>
               <a:t>, </a:t>
             </a:r>
             <a:r>
-              <a:rPr lang="en-GB" b="1" dirty="0" err="1"/>
+              <a:rPr lang="en-GB" sz="6000" b="1" dirty="0" err="1"/>
               <a:t>ry</a:t>
             </a:r>
             <a:r>
-              <a:rPr lang="en-GB" b="1" dirty="0"/>
-              <a:t> </a:t>
-            </a:r>
-            <a:r>
-              <a:rPr lang="en-GB" b="1" dirty="0" err="1"/>
+              <a:rPr lang="en-GB" sz="6000" b="1" dirty="0"/>
+              <a:t> </a:t>
+            </a:r>
+            <a:r>
+              <a:rPr lang="en-GB" sz="6000" b="1" dirty="0" err="1"/>
               <a:t>Jesosy</a:t>
             </a:r>
             <a:r>
-              <a:rPr lang="en-GB" b="1" dirty="0"/>
+              <a:rPr lang="en-GB" sz="6000" b="1" dirty="0"/>
               <a:t>,</a:t>
             </a:r>
-            <a:r>
-              <a:rPr lang="fr-FR" b="1" dirty="0"/>
-              <a:t/>
-            </a:r>
             <a:br>
-              <a:rPr lang="fr-FR" b="1" dirty="0"/>
+              <a:rPr lang="fr-FR" sz="6000" b="1" dirty="0"/>
             </a:br>
             <a:r>
-              <a:rPr lang="en-GB" b="1" dirty="0"/>
+              <a:rPr lang="en-GB" sz="6000" b="1" dirty="0"/>
               <a:t>    </a:t>
             </a:r>
             <a:r>
-              <a:rPr lang="en-GB" b="1" dirty="0" err="1"/>
+              <a:rPr lang="en-GB" sz="6000" b="1" dirty="0" err="1"/>
               <a:t>Ny</a:t>
             </a:r>
             <a:r>
-              <a:rPr lang="en-GB" b="1" dirty="0"/>
-              <a:t> </a:t>
-            </a:r>
-            <a:r>
-              <a:rPr lang="en-GB" b="1" dirty="0" err="1"/>
+              <a:rPr lang="en-GB" sz="6000" b="1" dirty="0"/>
+              <a:t> </a:t>
+            </a:r>
+            <a:r>
+              <a:rPr lang="en-GB" sz="6000" b="1" dirty="0" err="1"/>
               <a:t>mpanomponao</a:t>
             </a:r>
             <a:r>
-              <a:rPr lang="en-GB" b="1" dirty="0"/>
+              <a:rPr lang="en-GB" sz="6000" b="1" dirty="0"/>
               <a:t>,</a:t>
             </a:r>
-            <a:r>
-              <a:rPr lang="fr-FR" b="1" dirty="0"/>
-              <a:t/>
-            </a:r>
             <a:br>
-              <a:rPr lang="fr-FR" b="1" dirty="0"/>
+              <a:rPr lang="fr-FR" sz="6000" b="1" dirty="0"/>
             </a:br>
             <a:r>
-              <a:rPr lang="en-GB" b="1" dirty="0"/>
+              <a:rPr lang="en-GB" sz="6000" b="1" dirty="0"/>
               <a:t>   </a:t>
             </a:r>
             <a:r>
-              <a:rPr lang="en-GB" b="1" i="1" dirty="0" err="1"/>
+              <a:rPr lang="en-GB" sz="6000" b="1" i="1" dirty="0" err="1"/>
               <a:t>I</a:t>
             </a:r>
             <a:r>
-              <a:rPr lang="en-GB" b="1" dirty="0" err="1"/>
+              <a:rPr lang="en-GB" sz="6000" b="1" dirty="0" err="1"/>
               <a:t>zay</a:t>
             </a:r>
             <a:r>
-              <a:rPr lang="en-GB" b="1" dirty="0"/>
-              <a:t> </a:t>
-            </a:r>
-            <a:r>
-              <a:rPr lang="en-GB" b="1" dirty="0" err="1"/>
+              <a:rPr lang="en-GB" sz="6000" b="1" dirty="0"/>
+              <a:t> </a:t>
+            </a:r>
+            <a:r>
+              <a:rPr lang="en-GB" sz="6000" b="1" dirty="0" err="1"/>
               <a:t>natokanao</a:t>
             </a:r>
             <a:r>
-              <a:rPr lang="en-GB" b="1" dirty="0"/>
-              <a:t> </a:t>
-            </a:r>
-            <a:r>
-              <a:rPr lang="en-GB" b="1" dirty="0" err="1"/>
+              <a:rPr lang="en-GB" sz="6000" b="1" dirty="0"/>
+              <a:t> </a:t>
+            </a:r>
+            <a:r>
+              <a:rPr lang="en-GB" sz="6000" b="1" dirty="0" err="1"/>
               <a:t>hitondra</a:t>
             </a:r>
-            <a:r>
-              <a:rPr lang="fr-FR" b="1" dirty="0"/>
-              <a:t/>
-            </a:r>
             <a:br>
-              <a:rPr lang="fr-FR" b="1" dirty="0"/>
+              <a:rPr lang="fr-FR" sz="6000" b="1" dirty="0"/>
             </a:br>
             <a:r>
-              <a:rPr lang="en-GB" b="1" dirty="0"/>
-              <a:t>    </a:t>
-            </a:r>
-            <a:r>
-              <a:rPr lang="en-GB" b="1" dirty="0" err="1"/>
-              <a:t>Ny</a:t>
-            </a:r>
-            <a:r>
-              <a:rPr lang="en-GB" b="1" dirty="0"/>
-              <a:t> </a:t>
-            </a:r>
-            <a:r>
-              <a:rPr lang="en-GB" b="1" dirty="0" err="1"/>
+              <a:rPr lang="en-GB" sz="6000" b="1" dirty="0"/>
+              <a:t>    Ny </a:t>
+            </a:r>
+            <a:r>
+              <a:rPr lang="en-GB" sz="6000" b="1" dirty="0" err="1"/>
               <a:t>Anaranao</a:t>
             </a:r>
             <a:r>
-              <a:rPr lang="en-GB" b="1" dirty="0"/>
+              <a:rPr lang="en-GB" sz="6000" b="1" dirty="0"/>
               <a:t> :</a:t>
             </a:r>
-            <a:r>
-              <a:rPr lang="fr-FR" b="1" dirty="0"/>
-              <a:t/>
-            </a:r>
-            <a:br>
-              <a:rPr lang="fr-FR" b="1" dirty="0"/>
-            </a:br>
-            <a:r>
-              <a:rPr lang="en-GB" b="1" dirty="0"/>
-              <a:t>   </a:t>
-            </a:r>
-            <a:r>
-              <a:rPr lang="en-GB" b="1" dirty="0" err="1"/>
-              <a:t>Nofidinao</a:t>
-            </a:r>
-            <a:r>
-              <a:rPr lang="en-GB" b="1" dirty="0"/>
-              <a:t> ho </a:t>
-            </a:r>
-            <a:r>
-              <a:rPr lang="en-GB" b="1" dirty="0" err="1"/>
-              <a:t>mpitory</a:t>
-            </a:r>
-            <a:r>
-              <a:rPr lang="fr-FR" b="1" dirty="0"/>
-              <a:t/>
-            </a:r>
-            <a:br>
-              <a:rPr lang="fr-FR" b="1" dirty="0"/>
-            </a:br>
-            <a:r>
-              <a:rPr lang="en-GB" b="1" dirty="0"/>
-              <a:t>    </a:t>
-            </a:r>
-            <a:r>
-              <a:rPr lang="en-GB" b="1" dirty="0" err="1"/>
-              <a:t>Ny</a:t>
-            </a:r>
-            <a:r>
-              <a:rPr lang="en-GB" b="1" dirty="0"/>
-              <a:t> </a:t>
-            </a:r>
-            <a:r>
-              <a:rPr lang="en-GB" b="1" dirty="0" err="1"/>
-              <a:t>fitiavanao</a:t>
-            </a:r>
-            <a:r>
-              <a:rPr lang="en-GB" b="1" dirty="0"/>
-              <a:t>,</a:t>
-            </a:r>
-            <a:r>
-              <a:rPr lang="fr-FR" b="1" dirty="0"/>
-              <a:t/>
-            </a:r>
-            <a:br>
-              <a:rPr lang="fr-FR" b="1" dirty="0"/>
-            </a:br>
-            <a:r>
-              <a:rPr lang="en-GB" b="1" dirty="0"/>
-              <a:t>   </a:t>
-            </a:r>
-            <a:r>
-              <a:rPr lang="en-GB" b="1" dirty="0" err="1"/>
-              <a:t>Nitokianao</a:t>
-            </a:r>
-            <a:r>
-              <a:rPr lang="en-GB" b="1" dirty="0"/>
-              <a:t> ho </a:t>
-            </a:r>
-            <a:r>
-              <a:rPr lang="en-GB" b="1" dirty="0" err="1"/>
-              <a:t>mpamory</a:t>
-            </a:r>
-            <a:r>
-              <a:rPr lang="fr-FR" b="1" dirty="0"/>
-              <a:t/>
-            </a:r>
-            <a:br>
-              <a:rPr lang="fr-FR" b="1" dirty="0"/>
-            </a:br>
-            <a:r>
-              <a:rPr lang="en-GB" b="1" dirty="0"/>
-              <a:t>    </a:t>
-            </a:r>
-            <a:r>
-              <a:rPr lang="en-GB" b="1" dirty="0" err="1"/>
-              <a:t>Ny</a:t>
-            </a:r>
-            <a:r>
-              <a:rPr lang="en-GB" b="1" dirty="0"/>
-              <a:t> </a:t>
-            </a:r>
-            <a:r>
-              <a:rPr lang="en-GB" b="1" dirty="0" err="1"/>
-              <a:t>vahoakanao</a:t>
-            </a:r>
-            <a:r>
-              <a:rPr lang="en-GB" b="1" dirty="0" smtClean="0"/>
-              <a:t>.</a:t>
-            </a:r>
-            <a:endParaRPr lang="fr-FR" b="1" dirty="0"/>
+            <a:endParaRPr lang="fr-FR" sz="6000" b="1" dirty="0"/>
           </a:p>
         </p:txBody>
       </p:sp>
@@ -3388,13 +3592,6 @@
   <p:clrMapOvr>
     <a:masterClrMapping/>
   </p:clrMapOvr>
-  <p:timing>
-    <p:tnLst>
-      <p:par>
-        <p:cTn id="1" dur="indefinite" restart="never" nodeType="tmRoot"/>
-      </p:par>
-    </p:tnLst>
-  </p:timing>
 </p:sld>
 </file>
 
@@ -3417,271 +3614,120 @@
       </p:grpSpPr>
       <p:sp>
         <p:nvSpPr>
-          <p:cNvPr id="2" name="Titre 1"/>
-          <p:cNvSpPr>
-            <a:spLocks noGrp="1"/>
-          </p:cNvSpPr>
-          <p:nvPr>
-            <p:ph type="ctrTitle"/>
-          </p:nvPr>
+          <p:cNvPr id="5" name="ZoneTexte 4">
+            <a:extLst>
+              <a:ext uri="{FF2B5EF4-FFF2-40B4-BE49-F238E27FC236}">
+                <a16:creationId xmlns:a16="http://schemas.microsoft.com/office/drawing/2014/main" id="{566E0288-AF7C-49D4-6141-2E6A3D95D231}"/>
+              </a:ext>
+            </a:extLst>
+          </p:cNvPr>
+          <p:cNvSpPr txBox="1"/>
+          <p:nvPr/>
         </p:nvSpPr>
         <p:spPr>
           <a:xfrm>
-            <a:off x="685800" y="681541"/>
-            <a:ext cx="7772400" cy="3726414"/>
+            <a:off x="0" y="555527"/>
+            <a:ext cx="9144000" cy="4154984"/>
           </a:xfrm>
+          <a:prstGeom prst="rect">
+            <a:avLst/>
+          </a:prstGeom>
+          <a:noFill/>
         </p:spPr>
         <p:txBody>
-          <a:bodyPr>
-            <a:noAutofit/>
+          <a:bodyPr wrap="square">
+            <a:spAutoFit/>
           </a:bodyPr>
           <a:lstStyle/>
           <a:p>
-            <a:r>
-              <a:rPr lang="en-GB" b="1" dirty="0" smtClean="0"/>
-              <a:t>2) </a:t>
-            </a:r>
-            <a:r>
-              <a:rPr lang="en-GB" b="1" i="1" dirty="0" err="1"/>
-              <a:t>I</a:t>
-            </a:r>
-            <a:r>
-              <a:rPr lang="en-GB" b="1" dirty="0" err="1"/>
-              <a:t>zao</a:t>
-            </a:r>
-            <a:r>
-              <a:rPr lang="en-GB" b="1" dirty="0"/>
-              <a:t> no </a:t>
-            </a:r>
-            <a:r>
-              <a:rPr lang="en-GB" b="1" dirty="0" err="1"/>
-              <a:t>zara</a:t>
-            </a:r>
-            <a:r>
-              <a:rPr lang="en-GB" b="1" dirty="0"/>
-              <a:t> </a:t>
-            </a:r>
-            <a:r>
-              <a:rPr lang="en-GB" b="1" dirty="0" err="1"/>
-              <a:t>fanompoako</a:t>
-            </a:r>
-            <a:r>
-              <a:rPr lang="fr-FR" b="1" dirty="0"/>
-              <a:t/>
+            <a:pPr algn="ctr"/>
+            <a:r>
+              <a:rPr lang="en-GB" sz="6600" b="1" dirty="0" err="1"/>
+              <a:t>Nofidinao</a:t>
+            </a:r>
+            <a:r>
+              <a:rPr lang="en-GB" sz="6600" b="1" dirty="0"/>
+              <a:t> </a:t>
+            </a:r>
+            <a:r>
+              <a:rPr lang="en-GB" sz="6600" b="1" dirty="0" err="1"/>
+              <a:t>ho</a:t>
+            </a:r>
+            <a:r>
+              <a:rPr lang="en-GB" sz="6600" b="1" dirty="0"/>
+              <a:t> </a:t>
+            </a:r>
+            <a:r>
+              <a:rPr lang="en-GB" sz="6600" b="1" dirty="0" err="1"/>
+              <a:t>mpitory</a:t>
             </a:r>
             <a:br>
-              <a:rPr lang="fr-FR" b="1" dirty="0"/>
+              <a:rPr lang="fr-FR" sz="6600" b="1" dirty="0"/>
             </a:br>
             <a:r>
-              <a:rPr lang="en-GB" b="1" dirty="0"/>
-              <a:t>    </a:t>
-            </a:r>
-            <a:r>
-              <a:rPr lang="en-GB" b="1" dirty="0" err="1"/>
-              <a:t>Voatendrinao</a:t>
-            </a:r>
-            <a:r>
-              <a:rPr lang="en-GB" b="1" dirty="0"/>
+              <a:rPr lang="en-GB" sz="6600" b="1" dirty="0"/>
+              <a:t>Ny </a:t>
+            </a:r>
+            <a:r>
+              <a:rPr lang="en-GB" sz="6600" b="1" dirty="0" err="1"/>
+              <a:t>fitiavanao</a:t>
+            </a:r>
+            <a:r>
+              <a:rPr lang="en-GB" sz="6600" b="1" dirty="0"/>
               <a:t>,</a:t>
             </a:r>
-            <a:r>
-              <a:rPr lang="fr-FR" b="1" dirty="0"/>
-              <a:t/>
-            </a:r>
             <a:br>
-              <a:rPr lang="fr-FR" b="1" dirty="0"/>
+              <a:rPr lang="fr-FR" sz="6600" b="1" dirty="0"/>
             </a:br>
             <a:r>
-              <a:rPr lang="en-GB" b="1" dirty="0"/>
-              <a:t>   Ka </a:t>
-            </a:r>
-            <a:r>
-              <a:rPr lang="en-GB" b="1" dirty="0" err="1"/>
-              <a:t>ny</a:t>
-            </a:r>
-            <a:r>
-              <a:rPr lang="en-GB" b="1" dirty="0"/>
-              <a:t> </a:t>
-            </a:r>
-            <a:r>
-              <a:rPr lang="en-GB" b="1" dirty="0" err="1"/>
-              <a:t>mafy</a:t>
-            </a:r>
-            <a:r>
-              <a:rPr lang="en-GB" b="1" dirty="0"/>
-              <a:t> </a:t>
-            </a:r>
-            <a:r>
-              <a:rPr lang="en-GB" b="1" dirty="0" err="1"/>
-              <a:t>tsy</a:t>
-            </a:r>
-            <a:r>
-              <a:rPr lang="en-GB" b="1" dirty="0"/>
-              <a:t> </a:t>
-            </a:r>
-            <a:r>
-              <a:rPr lang="en-GB" b="1" dirty="0" err="1"/>
-              <a:t>ahoako</a:t>
-            </a:r>
-            <a:r>
-              <a:rPr lang="fr-FR" b="1" dirty="0"/>
-              <a:t/>
+              <a:rPr lang="en-GB" sz="6600" b="1" dirty="0" err="1"/>
+              <a:t>Nitokianao</a:t>
+            </a:r>
+            <a:r>
+              <a:rPr lang="en-GB" sz="6600" b="1" dirty="0"/>
+              <a:t> </a:t>
+            </a:r>
+            <a:r>
+              <a:rPr lang="en-GB" sz="6600" b="1" dirty="0" err="1"/>
+              <a:t>ho</a:t>
+            </a:r>
+            <a:r>
+              <a:rPr lang="en-GB" sz="6600" b="1" dirty="0"/>
+              <a:t> </a:t>
+            </a:r>
+            <a:r>
+              <a:rPr lang="en-GB" sz="6600" b="1" dirty="0" err="1"/>
+              <a:t>mpamory</a:t>
             </a:r>
             <a:br>
-              <a:rPr lang="fr-FR" b="1" dirty="0"/>
+              <a:rPr lang="fr-FR" sz="6600" b="1" dirty="0"/>
             </a:br>
             <a:r>
-              <a:rPr lang="en-GB" b="1" dirty="0"/>
-              <a:t>    </a:t>
-            </a:r>
-            <a:r>
-              <a:rPr lang="en-GB" b="1" dirty="0" err="1"/>
-              <a:t>Hahefako</a:t>
-            </a:r>
-            <a:r>
-              <a:rPr lang="en-GB" b="1" dirty="0"/>
-              <a:t> </a:t>
-            </a:r>
-            <a:r>
-              <a:rPr lang="en-GB" b="1" dirty="0" err="1"/>
-              <a:t>izao</a:t>
-            </a:r>
-            <a:r>
-              <a:rPr lang="en-GB" b="1" dirty="0"/>
-              <a:t> ;</a:t>
-            </a:r>
-            <a:r>
-              <a:rPr lang="fr-FR" b="1" dirty="0"/>
-              <a:t/>
-            </a:r>
-            <a:br>
-              <a:rPr lang="fr-FR" b="1" dirty="0"/>
-            </a:br>
-            <a:r>
-              <a:rPr lang="en-GB" b="1" dirty="0"/>
-              <a:t>   </a:t>
-            </a:r>
-            <a:r>
-              <a:rPr lang="en-GB" b="1" dirty="0" err="1"/>
-              <a:t>Tsy</a:t>
-            </a:r>
-            <a:r>
-              <a:rPr lang="en-GB" b="1" dirty="0"/>
-              <a:t> </a:t>
-            </a:r>
-            <a:r>
-              <a:rPr lang="en-GB" b="1" dirty="0" err="1"/>
-              <a:t>handosi-pahoriana</a:t>
-            </a:r>
-            <a:r>
-              <a:rPr lang="fr-FR" b="1" dirty="0"/>
-              <a:t/>
-            </a:r>
-            <a:br>
-              <a:rPr lang="fr-FR" b="1" dirty="0"/>
-            </a:br>
-            <a:r>
-              <a:rPr lang="en-GB" b="1" dirty="0"/>
-              <a:t>    </a:t>
-            </a:r>
-            <a:r>
-              <a:rPr lang="en-GB" b="1" dirty="0" err="1"/>
-              <a:t>Ny</a:t>
-            </a:r>
-            <a:r>
-              <a:rPr lang="en-GB" b="1" dirty="0"/>
-              <a:t> </a:t>
-            </a:r>
-            <a:r>
-              <a:rPr lang="en-GB" b="1" dirty="0" err="1"/>
-              <a:t>mpiasanao</a:t>
-            </a:r>
-            <a:r>
-              <a:rPr lang="en-GB" b="1" dirty="0"/>
-              <a:t>,</a:t>
-            </a:r>
-            <a:r>
-              <a:rPr lang="fr-FR" b="1" dirty="0"/>
-              <a:t/>
-            </a:r>
-            <a:br>
-              <a:rPr lang="fr-FR" b="1" dirty="0"/>
-            </a:br>
-            <a:r>
-              <a:rPr lang="en-GB" b="1" dirty="0"/>
-              <a:t>   </a:t>
-            </a:r>
-            <a:r>
-              <a:rPr lang="en-GB" b="1" dirty="0" err="1"/>
-              <a:t>Fa</a:t>
-            </a:r>
-            <a:r>
-              <a:rPr lang="en-GB" b="1" dirty="0"/>
-              <a:t> </a:t>
-            </a:r>
-            <a:r>
-              <a:rPr lang="en-GB" b="1" dirty="0" err="1"/>
-              <a:t>ny</a:t>
-            </a:r>
-            <a:r>
-              <a:rPr lang="en-GB" b="1" dirty="0"/>
-              <a:t> </a:t>
-            </a:r>
-            <a:r>
-              <a:rPr lang="en-GB" b="1" dirty="0" err="1"/>
-              <a:t>hazo</a:t>
-            </a:r>
-            <a:r>
-              <a:rPr lang="en-GB" b="1" dirty="0"/>
-              <a:t> </a:t>
-            </a:r>
-            <a:r>
-              <a:rPr lang="en-GB" b="1" dirty="0" err="1"/>
-              <a:t>fijaliana</a:t>
-            </a:r>
-            <a:r>
-              <a:rPr lang="fr-FR" b="1" dirty="0"/>
-              <a:t/>
-            </a:r>
-            <a:br>
-              <a:rPr lang="fr-FR" b="1" dirty="0"/>
-            </a:br>
-            <a:r>
-              <a:rPr lang="en-GB" b="1" dirty="0"/>
-              <a:t>    </a:t>
-            </a:r>
-            <a:r>
-              <a:rPr lang="en-GB" b="1" dirty="0" err="1"/>
-              <a:t>Lova</a:t>
-            </a:r>
-            <a:r>
-              <a:rPr lang="en-GB" b="1" dirty="0"/>
-              <a:t> </a:t>
-            </a:r>
-            <a:r>
-              <a:rPr lang="en-GB" b="1" dirty="0" err="1"/>
-              <a:t>taminao</a:t>
-            </a:r>
-            <a:r>
-              <a:rPr lang="en-GB" b="1" dirty="0"/>
+              <a:rPr lang="en-GB" sz="6600" b="1" dirty="0"/>
+              <a:t>Ny </a:t>
+            </a:r>
+            <a:r>
+              <a:rPr lang="en-GB" sz="6600" b="1" dirty="0" err="1"/>
+              <a:t>vahoakanao</a:t>
+            </a:r>
+            <a:r>
+              <a:rPr lang="en-GB" sz="6600" b="1" dirty="0"/>
               <a:t>.</a:t>
             </a:r>
-            <a:endParaRPr lang="fr-FR" b="1" dirty="0"/>
+            <a:endParaRPr lang="fr-FR" sz="6600" dirty="0"/>
           </a:p>
         </p:txBody>
       </p:sp>
     </p:spTree>
+    <p:extLst>
+      <p:ext uri="{BB962C8B-B14F-4D97-AF65-F5344CB8AC3E}">
+        <p14:creationId xmlns:p14="http://schemas.microsoft.com/office/powerpoint/2010/main" val="2755856589"/>
+      </p:ext>
+    </p:extLst>
   </p:cSld>
   <p:clrMapOvr>
     <a:masterClrMapping/>
   </p:clrMapOvr>
-  <p:timing>
-    <p:tnLst>
-      <p:par>
-        <p:cTn id="1" dur="indefinite" restart="never" nodeType="tmRoot"/>
-      </p:par>
-    </p:tnLst>
-  </p:timing>
 </p:sld>
 </file>
 
@@ -3714,8 +3760,8 @@
         </p:nvSpPr>
         <p:spPr>
           <a:xfrm>
-            <a:off x="685800" y="681541"/>
-            <a:ext cx="7772400" cy="3726414"/>
+            <a:off x="0" y="195486"/>
+            <a:ext cx="9144000" cy="4608512"/>
           </a:xfrm>
         </p:spPr>
         <p:txBody>
@@ -3725,251 +3771,107 @@
           <a:lstStyle/>
           <a:p>
             <a:r>
-              <a:rPr lang="nl-NL" b="1" dirty="0" smtClean="0"/>
-              <a:t>3) </a:t>
-            </a:r>
-            <a:r>
-              <a:rPr lang="nl-NL" b="1" dirty="0"/>
-              <a:t>Na ho </a:t>
-            </a:r>
-            <a:r>
-              <a:rPr lang="nl-NL" b="1" dirty="0" err="1"/>
-              <a:t>voky</a:t>
-            </a:r>
-            <a:r>
-              <a:rPr lang="nl-NL" b="1" dirty="0"/>
-              <a:t> na ho </a:t>
-            </a:r>
-            <a:r>
-              <a:rPr lang="nl-NL" b="1" dirty="0" err="1"/>
-              <a:t>noana</a:t>
-            </a:r>
-            <a:r>
-              <a:rPr lang="fr-FR" b="1" dirty="0"/>
-              <a:t/>
+              <a:rPr lang="en-GB" sz="6000" b="1" dirty="0"/>
+              <a:t>2) </a:t>
+            </a:r>
+            <a:r>
+              <a:rPr lang="en-GB" sz="6000" b="1" i="1" dirty="0" err="1"/>
+              <a:t>I</a:t>
+            </a:r>
+            <a:r>
+              <a:rPr lang="en-GB" sz="6000" b="1" dirty="0" err="1"/>
+              <a:t>zao</a:t>
+            </a:r>
+            <a:r>
+              <a:rPr lang="en-GB" sz="6000" b="1" dirty="0"/>
+              <a:t> no </a:t>
+            </a:r>
+            <a:r>
+              <a:rPr lang="en-GB" sz="6000" b="1" dirty="0" err="1"/>
+              <a:t>zara</a:t>
+            </a:r>
+            <a:r>
+              <a:rPr lang="en-GB" sz="6000" b="1" dirty="0"/>
+              <a:t> </a:t>
+            </a:r>
+            <a:r>
+              <a:rPr lang="en-GB" sz="6000" b="1" dirty="0" err="1"/>
+              <a:t>fanompoako</a:t>
             </a:r>
             <a:br>
-              <a:rPr lang="fr-FR" b="1" dirty="0"/>
+              <a:rPr lang="fr-FR" sz="6000" b="1" dirty="0"/>
             </a:br>
             <a:r>
-              <a:rPr lang="nl-NL" b="1" dirty="0"/>
+              <a:rPr lang="en-GB" sz="6000" b="1" dirty="0"/>
               <a:t>    </a:t>
             </a:r>
             <a:r>
-              <a:rPr lang="en-GB" b="1" dirty="0" err="1"/>
-              <a:t>Ny</a:t>
-            </a:r>
-            <a:r>
-              <a:rPr lang="en-GB" b="1" dirty="0"/>
-              <a:t> </a:t>
-            </a:r>
-            <a:r>
-              <a:rPr lang="en-GB" b="1" dirty="0" err="1"/>
-              <a:t>mpanomponao</a:t>
-            </a:r>
-            <a:r>
-              <a:rPr lang="en-GB" b="1" dirty="0"/>
+              <a:rPr lang="en-GB" sz="6000" b="1" dirty="0" err="1"/>
+              <a:t>Voatendrinao</a:t>
+            </a:r>
+            <a:r>
+              <a:rPr lang="en-GB" sz="6000" b="1" dirty="0"/>
               <a:t>,</a:t>
             </a:r>
-            <a:r>
-              <a:rPr lang="fr-FR" b="1" dirty="0"/>
-              <a:t/>
-            </a:r>
             <a:br>
-              <a:rPr lang="fr-FR" b="1" dirty="0"/>
+              <a:rPr lang="fr-FR" sz="6000" b="1" dirty="0"/>
             </a:br>
             <a:r>
-              <a:rPr lang="en-GB" b="1" dirty="0"/>
-              <a:t>   </a:t>
-            </a:r>
-            <a:r>
-              <a:rPr lang="en-GB" b="1" dirty="0" err="1"/>
-              <a:t>Tsy</a:t>
-            </a:r>
-            <a:r>
-              <a:rPr lang="en-GB" b="1" dirty="0"/>
-              <a:t> </a:t>
-            </a:r>
-            <a:r>
-              <a:rPr lang="en-GB" b="1" dirty="0" err="1"/>
-              <a:t>handao</a:t>
-            </a:r>
-            <a:r>
-              <a:rPr lang="en-GB" b="1" dirty="0"/>
-              <a:t> </a:t>
-            </a:r>
-            <a:r>
-              <a:rPr lang="en-GB" b="1" dirty="0" err="1"/>
+              <a:rPr lang="en-GB" sz="6000" b="1" dirty="0"/>
+              <a:t>   Ka </a:t>
+            </a:r>
+            <a:r>
+              <a:rPr lang="en-GB" sz="6000" b="1" dirty="0" err="1"/>
               <a:t>ny</a:t>
             </a:r>
             <a:r>
-              <a:rPr lang="en-GB" b="1" dirty="0"/>
-              <a:t> </a:t>
-            </a:r>
-            <a:r>
-              <a:rPr lang="en-GB" b="1" dirty="0" err="1"/>
-              <a:t>fanompoana</a:t>
-            </a:r>
-            <a:r>
-              <a:rPr lang="fr-FR" b="1" dirty="0"/>
-              <a:t/>
+              <a:rPr lang="en-GB" sz="6000" b="1" dirty="0"/>
+              <a:t> </a:t>
+            </a:r>
+            <a:r>
+              <a:rPr lang="en-GB" sz="6000" b="1" dirty="0" err="1"/>
+              <a:t>mafy</a:t>
+            </a:r>
+            <a:r>
+              <a:rPr lang="en-GB" sz="6000" b="1" dirty="0"/>
+              <a:t> </a:t>
+            </a:r>
+            <a:r>
+              <a:rPr lang="en-GB" sz="6000" b="1" dirty="0" err="1"/>
+              <a:t>tsy</a:t>
+            </a:r>
+            <a:r>
+              <a:rPr lang="en-GB" sz="6000" b="1" dirty="0"/>
+              <a:t> </a:t>
+            </a:r>
+            <a:r>
+              <a:rPr lang="en-GB" sz="6000" b="1" dirty="0" err="1"/>
+              <a:t>ahoako</a:t>
             </a:r>
             <a:br>
-              <a:rPr lang="fr-FR" b="1" dirty="0"/>
+              <a:rPr lang="fr-FR" sz="6000" b="1" dirty="0"/>
             </a:br>
             <a:r>
-              <a:rPr lang="en-GB" b="1" dirty="0"/>
+              <a:rPr lang="en-GB" sz="6000" b="1" dirty="0"/>
               <a:t>    </a:t>
             </a:r>
             <a:r>
-              <a:rPr lang="en-GB" b="1" dirty="0" err="1"/>
-              <a:t>Nametrahanao</a:t>
-            </a:r>
-            <a:r>
-              <a:rPr lang="en-GB" b="1" dirty="0"/>
+              <a:rPr lang="en-GB" sz="6000" b="1" dirty="0" err="1"/>
+              <a:t>Hahefako</a:t>
+            </a:r>
+            <a:r>
+              <a:rPr lang="en-GB" sz="6000" b="1" dirty="0"/>
+              <a:t> </a:t>
+            </a:r>
+            <a:r>
+              <a:rPr lang="en-GB" sz="6000" b="1" dirty="0" err="1"/>
+              <a:t>izao</a:t>
+            </a:r>
+            <a:r>
+              <a:rPr lang="en-GB" sz="6000" b="1" dirty="0"/>
               <a:t> ;</a:t>
             </a:r>
-            <a:r>
-              <a:rPr lang="fr-FR" b="1" dirty="0"/>
-              <a:t/>
-            </a:r>
-            <a:br>
-              <a:rPr lang="fr-FR" b="1" dirty="0"/>
-            </a:br>
-            <a:r>
-              <a:rPr lang="en-GB" b="1" dirty="0"/>
-              <a:t>   </a:t>
-            </a:r>
-            <a:r>
-              <a:rPr lang="en-GB" b="1" dirty="0" err="1"/>
-              <a:t>Sitrakao</a:t>
-            </a:r>
-            <a:r>
-              <a:rPr lang="en-GB" b="1" dirty="0"/>
-              <a:t> </a:t>
-            </a:r>
-            <a:r>
-              <a:rPr lang="en-GB" b="1" dirty="0" err="1"/>
-              <a:t>ny</a:t>
-            </a:r>
-            <a:r>
-              <a:rPr lang="en-GB" b="1" dirty="0"/>
-              <a:t> </a:t>
-            </a:r>
-            <a:r>
-              <a:rPr lang="en-GB" b="1" dirty="0" err="1"/>
-              <a:t>fihafiana</a:t>
-            </a:r>
-            <a:r>
-              <a:rPr lang="en-GB" b="1" dirty="0"/>
-              <a:t>,</a:t>
-            </a:r>
-            <a:r>
-              <a:rPr lang="fr-FR" b="1" dirty="0"/>
-              <a:t/>
-            </a:r>
-            <a:br>
-              <a:rPr lang="fr-FR" b="1" dirty="0"/>
-            </a:br>
-            <a:r>
-              <a:rPr lang="en-GB" b="1" dirty="0"/>
-              <a:t>    Ka </a:t>
-            </a:r>
-            <a:r>
-              <a:rPr lang="en-GB" b="1" dirty="0" err="1"/>
-              <a:t>mba</a:t>
-            </a:r>
-            <a:r>
-              <a:rPr lang="en-GB" b="1" dirty="0"/>
-              <a:t> </a:t>
-            </a:r>
-            <a:r>
-              <a:rPr lang="en-GB" b="1" dirty="0" err="1"/>
-              <a:t>tiako</a:t>
-            </a:r>
-            <a:r>
-              <a:rPr lang="en-GB" b="1" dirty="0"/>
-              <a:t> </a:t>
-            </a:r>
-            <a:r>
-              <a:rPr lang="en-GB" b="1" dirty="0" err="1"/>
-              <a:t>koa</a:t>
-            </a:r>
-            <a:r>
-              <a:rPr lang="en-GB" b="1" dirty="0"/>
-              <a:t> ;</a:t>
-            </a:r>
-            <a:r>
-              <a:rPr lang="fr-FR" b="1" dirty="0"/>
-              <a:t/>
-            </a:r>
-            <a:br>
-              <a:rPr lang="fr-FR" b="1" dirty="0"/>
-            </a:br>
-            <a:r>
-              <a:rPr lang="en-GB" b="1" dirty="0"/>
-              <a:t>   </a:t>
-            </a:r>
-            <a:r>
-              <a:rPr lang="en-GB" b="1" dirty="0" err="1"/>
-              <a:t>Zakanao</a:t>
-            </a:r>
-            <a:r>
-              <a:rPr lang="en-GB" b="1" dirty="0"/>
-              <a:t> </a:t>
-            </a:r>
-            <a:r>
-              <a:rPr lang="en-GB" b="1" dirty="0" err="1"/>
-              <a:t>ny</a:t>
-            </a:r>
-            <a:r>
-              <a:rPr lang="en-GB" b="1" dirty="0"/>
-              <a:t> </a:t>
-            </a:r>
-            <a:r>
-              <a:rPr lang="en-GB" b="1" dirty="0" err="1"/>
-              <a:t>tsy</a:t>
-            </a:r>
-            <a:r>
-              <a:rPr lang="en-GB" b="1" dirty="0"/>
-              <a:t> </a:t>
-            </a:r>
-            <a:r>
-              <a:rPr lang="en-GB" b="1" dirty="0" err="1"/>
-              <a:t>fisiana</a:t>
-            </a:r>
-            <a:r>
-              <a:rPr lang="en-GB" b="1" dirty="0"/>
-              <a:t>,</a:t>
-            </a:r>
-            <a:r>
-              <a:rPr lang="fr-FR" b="1" dirty="0"/>
-              <a:t/>
-            </a:r>
-            <a:br>
-              <a:rPr lang="fr-FR" b="1" dirty="0"/>
-            </a:br>
-            <a:r>
-              <a:rPr lang="en-GB" b="1" dirty="0"/>
-              <a:t>    Ka </a:t>
-            </a:r>
-            <a:r>
-              <a:rPr lang="en-GB" b="1" dirty="0" err="1"/>
-              <a:t>zakaiko</a:t>
-            </a:r>
-            <a:r>
-              <a:rPr lang="en-GB" b="1" dirty="0"/>
-              <a:t>  </a:t>
-            </a:r>
-            <a:r>
-              <a:rPr lang="en-GB" b="1" dirty="0" err="1"/>
-              <a:t>koa</a:t>
-            </a:r>
-            <a:r>
-              <a:rPr lang="en-GB" b="1" dirty="0"/>
-              <a:t>.</a:t>
-            </a:r>
-            <a:endParaRPr lang="fr-FR" b="1" dirty="0"/>
+            <a:endParaRPr lang="fr-FR" sz="6000" b="1" dirty="0"/>
           </a:p>
         </p:txBody>
       </p:sp>
@@ -3978,13 +3880,6 @@
   <p:clrMapOvr>
     <a:masterClrMapping/>
   </p:clrMapOvr>
-  <p:timing>
-    <p:tnLst>
-      <p:par>
-        <p:cTn id="1" dur="indefinite" restart="never" nodeType="tmRoot"/>
-      </p:par>
-    </p:tnLst>
-  </p:timing>
 </p:sld>
 </file>
 
@@ -4007,304 +3902,124 @@
       </p:grpSpPr>
       <p:sp>
         <p:nvSpPr>
-          <p:cNvPr id="2" name="Titre 1"/>
-          <p:cNvSpPr>
-            <a:spLocks noGrp="1"/>
-          </p:cNvSpPr>
-          <p:nvPr>
-            <p:ph type="ctrTitle"/>
-          </p:nvPr>
+          <p:cNvPr id="5" name="ZoneTexte 4">
+            <a:extLst>
+              <a:ext uri="{FF2B5EF4-FFF2-40B4-BE49-F238E27FC236}">
+                <a16:creationId xmlns:a16="http://schemas.microsoft.com/office/drawing/2014/main" id="{FEF1AD13-5EF7-EB50-126B-156CA7753FDF}"/>
+              </a:ext>
+            </a:extLst>
+          </p:cNvPr>
+          <p:cNvSpPr txBox="1"/>
+          <p:nvPr/>
         </p:nvSpPr>
         <p:spPr>
           <a:xfrm>
-            <a:off x="685800" y="681541"/>
-            <a:ext cx="7772400" cy="3726414"/>
+            <a:off x="0" y="267494"/>
+            <a:ext cx="9144000" cy="4524315"/>
           </a:xfrm>
+          <a:prstGeom prst="rect">
+            <a:avLst/>
+          </a:prstGeom>
+          <a:noFill/>
         </p:spPr>
         <p:txBody>
-          <a:bodyPr>
-            <a:noAutofit/>
+          <a:bodyPr wrap="square">
+            <a:spAutoFit/>
           </a:bodyPr>
           <a:lstStyle/>
           <a:p>
-            <a:r>
-              <a:rPr lang="en-GB" b="1" dirty="0" smtClean="0"/>
-              <a:t>4) </a:t>
-            </a:r>
-            <a:r>
-              <a:rPr lang="en-GB" b="1" dirty="0" err="1"/>
+            <a:pPr algn="ctr"/>
+            <a:r>
+              <a:rPr lang="en-GB" sz="7200" b="1" dirty="0"/>
+              <a:t> </a:t>
+            </a:r>
+            <a:r>
+              <a:rPr lang="en-GB" sz="7200" b="1" dirty="0" err="1"/>
               <a:t>Tsy</a:t>
             </a:r>
             <a:r>
-              <a:rPr lang="en-GB" b="1" dirty="0"/>
-              <a:t> </a:t>
-            </a:r>
-            <a:r>
-              <a:rPr lang="en-GB" b="1" dirty="0" err="1"/>
-              <a:t>ahiko</a:t>
-            </a:r>
-            <a:r>
-              <a:rPr lang="en-GB" b="1" dirty="0"/>
-              <a:t> </a:t>
-            </a:r>
-            <a:r>
-              <a:rPr lang="en-GB" b="1" dirty="0" err="1"/>
+              <a:rPr lang="en-GB" sz="7200" b="1" dirty="0"/>
+              <a:t> </a:t>
+            </a:r>
+            <a:r>
+              <a:rPr lang="en-GB" sz="7200" b="1" dirty="0" err="1"/>
+              <a:t>handosi-pahoriana</a:t>
+            </a:r>
+            <a:br>
+              <a:rPr lang="fr-FR" sz="7200" b="1" dirty="0"/>
+            </a:br>
+            <a:r>
+              <a:rPr lang="en-GB" sz="7200" b="1" dirty="0"/>
+              <a:t>    Ny </a:t>
+            </a:r>
+            <a:r>
+              <a:rPr lang="en-GB" sz="7200" b="1" dirty="0" err="1"/>
+              <a:t>mpiasanao</a:t>
+            </a:r>
+            <a:r>
+              <a:rPr lang="en-GB" sz="7200" b="1" dirty="0"/>
+              <a:t>,</a:t>
+            </a:r>
+            <a:br>
+              <a:rPr lang="fr-FR" sz="7200" b="1" dirty="0"/>
+            </a:br>
+            <a:r>
+              <a:rPr lang="en-GB" sz="7200" b="1" dirty="0"/>
+              <a:t>   Fa </a:t>
+            </a:r>
+            <a:r>
+              <a:rPr lang="en-GB" sz="7200" b="1" dirty="0" err="1"/>
               <a:t>ny</a:t>
             </a:r>
             <a:r>
-              <a:rPr lang="en-GB" b="1" dirty="0"/>
-              <a:t> </a:t>
-            </a:r>
-            <a:r>
-              <a:rPr lang="en-GB" b="1" dirty="0" err="1"/>
-              <a:t>handany</a:t>
-            </a:r>
-            <a:r>
-              <a:rPr lang="en-GB" b="1" dirty="0"/>
-              <a:t>,</a:t>
-            </a:r>
-            <a:r>
-              <a:rPr lang="fr-FR" b="1" dirty="0"/>
-              <a:t/>
+              <a:rPr lang="en-GB" sz="7200" b="1" dirty="0"/>
+              <a:t> </a:t>
+            </a:r>
+            <a:r>
+              <a:rPr lang="en-GB" sz="7200" b="1" dirty="0" err="1"/>
+              <a:t>hazo</a:t>
+            </a:r>
+            <a:r>
+              <a:rPr lang="en-GB" sz="7200" b="1" dirty="0"/>
+              <a:t> </a:t>
+            </a:r>
+            <a:r>
+              <a:rPr lang="en-GB" sz="7200" b="1" dirty="0" err="1"/>
+              <a:t>fijaliana</a:t>
             </a:r>
             <a:br>
-              <a:rPr lang="fr-FR" b="1" dirty="0"/>
+              <a:rPr lang="fr-FR" sz="7200" b="1" dirty="0"/>
             </a:br>
             <a:r>
-              <a:rPr lang="en-GB" b="1" dirty="0"/>
+              <a:rPr lang="en-GB" sz="7200" b="1" dirty="0"/>
               <a:t>    </a:t>
             </a:r>
             <a:r>
-              <a:rPr lang="en-GB" b="1" dirty="0" err="1"/>
-              <a:t>Holanina</a:t>
-            </a:r>
-            <a:r>
-              <a:rPr lang="en-GB" b="1" dirty="0"/>
-              <a:t> </a:t>
-            </a:r>
-            <a:r>
-              <a:rPr lang="en-GB" b="1" dirty="0" err="1"/>
-              <a:t>koa</a:t>
-            </a:r>
-            <a:r>
-              <a:rPr lang="en-GB" b="1" dirty="0"/>
-              <a:t>,</a:t>
-            </a:r>
-            <a:r>
-              <a:rPr lang="fr-FR" b="1" dirty="0"/>
-              <a:t/>
-            </a:r>
-            <a:br>
-              <a:rPr lang="fr-FR" b="1" dirty="0"/>
-            </a:br>
-            <a:r>
-              <a:rPr lang="en-GB" b="1" dirty="0"/>
-              <a:t>   </a:t>
-            </a:r>
-            <a:r>
-              <a:rPr lang="en-GB" b="1" dirty="0" err="1"/>
-              <a:t>Fa</a:t>
-            </a:r>
-            <a:r>
-              <a:rPr lang="en-GB" b="1" dirty="0"/>
-              <a:t> </a:t>
-            </a:r>
-            <a:r>
-              <a:rPr lang="en-GB" b="1" dirty="0" err="1"/>
-              <a:t>famoizan-tsoa</a:t>
-            </a:r>
-            <a:r>
-              <a:rPr lang="en-GB" b="1" dirty="0"/>
-              <a:t> no </a:t>
-            </a:r>
-            <a:r>
-              <a:rPr lang="en-GB" b="1" dirty="0" err="1"/>
-              <a:t>hany</a:t>
-            </a:r>
-            <a:r>
-              <a:rPr lang="fr-FR" b="1" dirty="0"/>
-              <a:t/>
-            </a:r>
-            <a:br>
-              <a:rPr lang="fr-FR" b="1" dirty="0"/>
-            </a:br>
-            <a:r>
-              <a:rPr lang="en-GB" b="1" dirty="0"/>
-              <a:t>    </a:t>
-            </a:r>
-            <a:r>
-              <a:rPr lang="en-GB" b="1" dirty="0" err="1"/>
-              <a:t>Ahefany</a:t>
-            </a:r>
-            <a:r>
-              <a:rPr lang="en-GB" b="1" dirty="0"/>
-              <a:t> </a:t>
-            </a:r>
-            <a:r>
-              <a:rPr lang="en-GB" b="1" dirty="0" err="1"/>
-              <a:t>soa</a:t>
-            </a:r>
-            <a:r>
-              <a:rPr lang="en-GB" b="1" dirty="0"/>
-              <a:t> ;</a:t>
-            </a:r>
-            <a:r>
-              <a:rPr lang="fr-FR" b="1" dirty="0"/>
-              <a:t/>
-            </a:r>
-            <a:br>
-              <a:rPr lang="fr-FR" b="1" dirty="0"/>
-            </a:br>
-            <a:r>
-              <a:rPr lang="en-GB" b="1" dirty="0"/>
-              <a:t>   </a:t>
-            </a:r>
-            <a:r>
-              <a:rPr lang="nl-NL" b="1" dirty="0"/>
-              <a:t>Na </a:t>
-            </a:r>
-            <a:r>
-              <a:rPr lang="nl-NL" b="1" dirty="0" err="1"/>
-              <a:t>ny</a:t>
-            </a:r>
-            <a:r>
-              <a:rPr lang="nl-NL" b="1" dirty="0"/>
-              <a:t> </a:t>
-            </a:r>
-            <a:r>
-              <a:rPr lang="nl-NL" b="1" dirty="0" err="1"/>
-              <a:t>saiko</a:t>
-            </a:r>
-            <a:r>
-              <a:rPr lang="nl-NL" b="1" dirty="0"/>
-              <a:t>, na </a:t>
-            </a:r>
-            <a:r>
-              <a:rPr lang="nl-NL" b="1" dirty="0" err="1"/>
-              <a:t>ny</a:t>
-            </a:r>
-            <a:r>
-              <a:rPr lang="nl-NL" b="1" dirty="0"/>
-              <a:t> </a:t>
-            </a:r>
-            <a:r>
-              <a:rPr lang="nl-NL" b="1" dirty="0" err="1"/>
-              <a:t>aiko</a:t>
-            </a:r>
-            <a:r>
-              <a:rPr lang="nl-NL" b="1" dirty="0"/>
-              <a:t>,</a:t>
-            </a:r>
-            <a:r>
-              <a:rPr lang="fr-FR" b="1" dirty="0"/>
-              <a:t/>
-            </a:r>
-            <a:br>
-              <a:rPr lang="fr-FR" b="1" dirty="0"/>
-            </a:br>
-            <a:r>
-              <a:rPr lang="nl-NL" b="1" dirty="0"/>
-              <a:t>    </a:t>
-            </a:r>
-            <a:r>
-              <a:rPr lang="nl-NL" b="1" dirty="0" err="1"/>
-              <a:t>Andro</a:t>
-            </a:r>
-            <a:r>
-              <a:rPr lang="nl-NL" b="1" dirty="0"/>
-              <a:t>, </a:t>
-            </a:r>
-            <a:r>
-              <a:rPr lang="nl-NL" b="1" dirty="0" err="1"/>
-              <a:t>vola</a:t>
-            </a:r>
-            <a:r>
-              <a:rPr lang="nl-NL" b="1" dirty="0"/>
-              <a:t> </a:t>
-            </a:r>
-            <a:r>
-              <a:rPr lang="nl-NL" b="1" dirty="0" err="1"/>
-              <a:t>koa</a:t>
-            </a:r>
-            <a:r>
-              <a:rPr lang="nl-NL" b="1" dirty="0"/>
-              <a:t>,</a:t>
-            </a:r>
-            <a:r>
-              <a:rPr lang="fr-FR" b="1" dirty="0"/>
-              <a:t/>
-            </a:r>
-            <a:br>
-              <a:rPr lang="fr-FR" b="1" dirty="0"/>
-            </a:br>
-            <a:r>
-              <a:rPr lang="nl-NL" b="1" dirty="0"/>
-              <a:t>   </a:t>
-            </a:r>
-            <a:r>
-              <a:rPr lang="nl-NL" b="1" dirty="0" err="1"/>
-              <a:t>Tsy</a:t>
-            </a:r>
-            <a:r>
-              <a:rPr lang="nl-NL" b="1" dirty="0"/>
-              <a:t> </a:t>
-            </a:r>
-            <a:r>
-              <a:rPr lang="nl-NL" b="1" dirty="0" err="1"/>
-              <a:t>mba</a:t>
-            </a:r>
-            <a:r>
-              <a:rPr lang="nl-NL" b="1" dirty="0"/>
-              <a:t> </a:t>
-            </a:r>
-            <a:r>
-              <a:rPr lang="nl-NL" b="1" dirty="0" err="1"/>
-              <a:t>misy</a:t>
-            </a:r>
-            <a:r>
-              <a:rPr lang="nl-NL" b="1" dirty="0"/>
-              <a:t> </a:t>
-            </a:r>
-            <a:r>
-              <a:rPr lang="nl-NL" b="1" dirty="0" err="1"/>
-              <a:t>holalaiko</a:t>
-            </a:r>
-            <a:r>
-              <a:rPr lang="nl-NL" b="1" dirty="0"/>
-              <a:t>,</a:t>
-            </a:r>
-            <a:r>
-              <a:rPr lang="fr-FR" b="1" dirty="0"/>
-              <a:t/>
-            </a:r>
-            <a:br>
-              <a:rPr lang="fr-FR" b="1" dirty="0"/>
-            </a:br>
-            <a:r>
-              <a:rPr lang="nl-NL" b="1" dirty="0"/>
-              <a:t>    </a:t>
-            </a:r>
-            <a:r>
-              <a:rPr lang="nl-NL" b="1" dirty="0" err="1"/>
-              <a:t>Foiko</a:t>
-            </a:r>
-            <a:r>
-              <a:rPr lang="nl-NL" b="1" dirty="0"/>
-              <a:t> </a:t>
-            </a:r>
-            <a:r>
-              <a:rPr lang="nl-NL" b="1" dirty="0" err="1"/>
-              <a:t>avokoa</a:t>
-            </a:r>
-            <a:r>
-              <a:rPr lang="nl-NL" b="1" dirty="0"/>
+              <a:rPr lang="en-GB" sz="7200" b="1" dirty="0" err="1"/>
+              <a:t>Lova</a:t>
+            </a:r>
+            <a:r>
+              <a:rPr lang="en-GB" sz="7200" b="1" dirty="0"/>
+              <a:t> </a:t>
+            </a:r>
+            <a:r>
+              <a:rPr lang="en-GB" sz="7200" b="1" dirty="0" err="1"/>
+              <a:t>taminao</a:t>
+            </a:r>
+            <a:r>
+              <a:rPr lang="en-GB" sz="7200" b="1" dirty="0"/>
               <a:t>.</a:t>
             </a:r>
-            <a:endParaRPr lang="fr-FR" b="1" dirty="0"/>
+            <a:endParaRPr lang="fr-FR" sz="7200" dirty="0"/>
           </a:p>
         </p:txBody>
       </p:sp>
     </p:spTree>
+    <p:extLst>
+      <p:ext uri="{BB962C8B-B14F-4D97-AF65-F5344CB8AC3E}">
+        <p14:creationId xmlns:p14="http://schemas.microsoft.com/office/powerpoint/2010/main" val="379496223"/>
+      </p:ext>
+    </p:extLst>
   </p:cSld>
   <p:clrMapOvr>
     <a:masterClrMapping/>
@@ -4341,8 +4056,8 @@
         </p:nvSpPr>
         <p:spPr>
           <a:xfrm>
-            <a:off x="685800" y="681541"/>
-            <a:ext cx="7772400" cy="3726414"/>
+            <a:off x="0" y="339502"/>
+            <a:ext cx="9144000" cy="4392488"/>
           </a:xfrm>
         </p:spPr>
         <p:txBody>
@@ -4352,263 +4067,607 @@
           <a:lstStyle/>
           <a:p>
             <a:r>
-              <a:rPr lang="nl-NL" b="1" dirty="0" smtClean="0"/>
-              <a:t>5) </a:t>
-            </a:r>
-            <a:r>
-              <a:rPr lang="nl-NL" b="1" dirty="0" err="1"/>
-              <a:t>Nefa</a:t>
-            </a:r>
-            <a:r>
-              <a:rPr lang="nl-NL" b="1" dirty="0"/>
-              <a:t> </a:t>
-            </a:r>
-            <a:r>
-              <a:rPr lang="nl-NL" b="1" dirty="0" err="1"/>
-              <a:t>rah</a:t>
-            </a:r>
-            <a:r>
-              <a:rPr lang="nl-NL" b="1" i="1" dirty="0" err="1"/>
-              <a:t>a</a:t>
-            </a:r>
-            <a:r>
-              <a:rPr lang="nl-NL" b="1" dirty="0"/>
+              <a:rPr lang="nl-NL" sz="6000" b="1" dirty="0"/>
+              <a:t>3) Na ho </a:t>
+            </a:r>
+            <a:r>
+              <a:rPr lang="nl-NL" sz="6000" b="1" dirty="0" err="1"/>
+              <a:t>voky</a:t>
+            </a:r>
+            <a:r>
+              <a:rPr lang="nl-NL" sz="6000" b="1" dirty="0"/>
+              <a:t> na ho </a:t>
+            </a:r>
+            <a:r>
+              <a:rPr lang="nl-NL" sz="6000" b="1" dirty="0" err="1"/>
+              <a:t>noana</a:t>
+            </a:r>
+            <a:br>
+              <a:rPr lang="fr-FR" sz="6000" b="1" dirty="0"/>
+            </a:br>
+            <a:r>
+              <a:rPr lang="en-GB" sz="6000" b="1" dirty="0"/>
+              <a:t>Ny </a:t>
+            </a:r>
+            <a:r>
+              <a:rPr lang="en-GB" sz="6000" b="1" dirty="0" err="1"/>
+              <a:t>mpanomponao</a:t>
+            </a:r>
+            <a:r>
+              <a:rPr lang="en-GB" sz="6000" b="1" dirty="0"/>
+              <a:t>,</a:t>
+            </a:r>
+            <a:br>
+              <a:rPr lang="fr-FR" sz="6000" b="1" dirty="0"/>
+            </a:br>
+            <a:r>
+              <a:rPr lang="en-GB" sz="6000" b="1" dirty="0" err="1"/>
+              <a:t>Tsy</a:t>
+            </a:r>
+            <a:r>
+              <a:rPr lang="en-GB" sz="6000" b="1" dirty="0"/>
+              <a:t> </a:t>
+            </a:r>
+            <a:r>
+              <a:rPr lang="en-GB" sz="6000" b="1" dirty="0" err="1"/>
+              <a:t>handao</a:t>
+            </a:r>
+            <a:r>
+              <a:rPr lang="en-GB" sz="6000" b="1" dirty="0"/>
+              <a:t> </a:t>
+            </a:r>
+            <a:r>
+              <a:rPr lang="en-GB" sz="6000" b="1" dirty="0" err="1"/>
+              <a:t>ny</a:t>
+            </a:r>
+            <a:r>
+              <a:rPr lang="en-GB" sz="6000" b="1" dirty="0"/>
+              <a:t> </a:t>
+            </a:r>
+            <a:r>
+              <a:rPr lang="en-GB" sz="6000" b="1" dirty="0" err="1"/>
+              <a:t>fanompoana</a:t>
+            </a:r>
+            <a:br>
+              <a:rPr lang="fr-FR" sz="6000" b="1" dirty="0"/>
+            </a:br>
+            <a:r>
+              <a:rPr lang="en-GB" sz="6000" b="1" dirty="0"/>
+              <a:t>    </a:t>
+            </a:r>
+            <a:r>
+              <a:rPr lang="en-GB" sz="6000" b="1" dirty="0" err="1"/>
+              <a:t>Nametrahanao</a:t>
+            </a:r>
+            <a:r>
+              <a:rPr lang="en-GB" sz="6000" b="1" dirty="0"/>
+              <a:t> ;</a:t>
+            </a:r>
+            <a:endParaRPr lang="fr-FR" sz="6000" b="1" dirty="0"/>
+          </a:p>
+        </p:txBody>
+      </p:sp>
+    </p:spTree>
+  </p:cSld>
+  <p:clrMapOvr>
+    <a:masterClrMapping/>
+  </p:clrMapOvr>
+</p:sld>
+</file>
+
+<file path=ppt/slides/slide7.xml><?xml version="1.0" encoding="utf-8"?>
+<p:sld xmlns:a="http://schemas.openxmlformats.org/drawingml/2006/main" xmlns:r="http://schemas.openxmlformats.org/officeDocument/2006/relationships" xmlns:p="http://schemas.openxmlformats.org/presentationml/2006/main">
+  <p:cSld>
+    <p:spTree>
+      <p:nvGrpSpPr>
+        <p:cNvPr id="1" name=""/>
+        <p:cNvGrpSpPr/>
+        <p:nvPr/>
+      </p:nvGrpSpPr>
+      <p:grpSpPr>
+        <a:xfrm>
+          <a:off x="0" y="0"/>
+          <a:ext cx="0" cy="0"/>
+          <a:chOff x="0" y="0"/>
+          <a:chExt cx="0" cy="0"/>
+        </a:xfrm>
+      </p:grpSpPr>
+      <p:sp>
+        <p:nvSpPr>
+          <p:cNvPr id="5" name="ZoneTexte 4">
+            <a:extLst>
+              <a:ext uri="{FF2B5EF4-FFF2-40B4-BE49-F238E27FC236}">
+                <a16:creationId xmlns:a16="http://schemas.microsoft.com/office/drawing/2014/main" id="{E534893C-9DBD-8E64-A75D-A17FED88D4BA}"/>
+              </a:ext>
+            </a:extLst>
+          </p:cNvPr>
+          <p:cNvSpPr txBox="1"/>
+          <p:nvPr/>
+        </p:nvSpPr>
+        <p:spPr>
+          <a:xfrm>
+            <a:off x="0" y="555527"/>
+            <a:ext cx="9144000" cy="4154984"/>
+          </a:xfrm>
+          <a:prstGeom prst="rect">
+            <a:avLst/>
+          </a:prstGeom>
+          <a:noFill/>
+        </p:spPr>
+        <p:txBody>
+          <a:bodyPr wrap="square">
+            <a:spAutoFit/>
+          </a:bodyPr>
+          <a:lstStyle/>
+          <a:p>
+            <a:pPr algn="ctr"/>
+            <a:r>
+              <a:rPr lang="en-GB" sz="6600" b="1" dirty="0" err="1"/>
+              <a:t>Sitrakao</a:t>
+            </a:r>
+            <a:r>
+              <a:rPr lang="en-GB" sz="6600" b="1" dirty="0"/>
+              <a:t> </a:t>
+            </a:r>
+            <a:r>
+              <a:rPr lang="en-GB" sz="6600" b="1" dirty="0" err="1"/>
+              <a:t>ny</a:t>
+            </a:r>
+            <a:r>
+              <a:rPr lang="en-GB" sz="6600" b="1" dirty="0"/>
+              <a:t> </a:t>
+            </a:r>
+            <a:r>
+              <a:rPr lang="en-GB" sz="6600" b="1" dirty="0" err="1"/>
+              <a:t>fihafiana</a:t>
+            </a:r>
+            <a:r>
+              <a:rPr lang="en-GB" sz="6600" b="1" dirty="0"/>
+              <a:t>,</a:t>
+            </a:r>
+            <a:br>
+              <a:rPr lang="fr-FR" sz="6600" b="1" dirty="0"/>
+            </a:br>
+            <a:r>
+              <a:rPr lang="en-GB" sz="6600" b="1" dirty="0"/>
+              <a:t>Ka </a:t>
+            </a:r>
+            <a:r>
+              <a:rPr lang="en-GB" sz="6600" b="1" dirty="0" err="1"/>
+              <a:t>mba</a:t>
+            </a:r>
+            <a:r>
+              <a:rPr lang="en-GB" sz="6600" b="1" dirty="0"/>
+              <a:t> </a:t>
+            </a:r>
+            <a:r>
+              <a:rPr lang="en-GB" sz="6600" b="1" dirty="0" err="1"/>
+              <a:t>tiako</a:t>
+            </a:r>
+            <a:r>
+              <a:rPr lang="en-GB" sz="6600" b="1" dirty="0"/>
+              <a:t> </a:t>
+            </a:r>
+            <a:r>
+              <a:rPr lang="en-GB" sz="6600" b="1" dirty="0" err="1"/>
+              <a:t>koa</a:t>
+            </a:r>
+            <a:r>
+              <a:rPr lang="en-GB" sz="6600" b="1" dirty="0"/>
+              <a:t> ;</a:t>
+            </a:r>
+            <a:br>
+              <a:rPr lang="fr-FR" sz="6600" b="1" dirty="0"/>
+            </a:br>
+            <a:r>
+              <a:rPr lang="en-GB" sz="6600" b="1" dirty="0" err="1"/>
+              <a:t>Zakanao</a:t>
+            </a:r>
+            <a:r>
+              <a:rPr lang="en-GB" sz="6600" b="1" dirty="0"/>
+              <a:t> </a:t>
+            </a:r>
+            <a:r>
+              <a:rPr lang="en-GB" sz="6600" b="1" dirty="0" err="1"/>
+              <a:t>ny</a:t>
+            </a:r>
+            <a:r>
+              <a:rPr lang="en-GB" sz="6600" b="1" dirty="0"/>
+              <a:t> </a:t>
+            </a:r>
+            <a:r>
+              <a:rPr lang="en-GB" sz="6600" b="1" dirty="0" err="1"/>
+              <a:t>tsy</a:t>
+            </a:r>
+            <a:r>
+              <a:rPr lang="en-GB" sz="6600" b="1" dirty="0"/>
+              <a:t> </a:t>
+            </a:r>
+            <a:r>
+              <a:rPr lang="en-GB" sz="6600" b="1" dirty="0" err="1"/>
+              <a:t>fisiana</a:t>
+            </a:r>
+            <a:r>
+              <a:rPr lang="en-GB" sz="6600" b="1" dirty="0"/>
+              <a:t>,</a:t>
+            </a:r>
+            <a:br>
+              <a:rPr lang="fr-FR" sz="6600" b="1" dirty="0"/>
+            </a:br>
+            <a:r>
+              <a:rPr lang="en-GB" sz="6600" b="1" dirty="0"/>
+              <a:t>Ka </a:t>
+            </a:r>
+            <a:r>
+              <a:rPr lang="en-GB" sz="6600" b="1" dirty="0" err="1"/>
+              <a:t>zakaiko</a:t>
+            </a:r>
+            <a:r>
+              <a:rPr lang="en-GB" sz="6600" b="1" dirty="0"/>
               <a:t>  </a:t>
             </a:r>
             <a:r>
-              <a:rPr lang="nl-NL" b="1" dirty="0" err="1"/>
-              <a:t>izaho</a:t>
-            </a:r>
-            <a:r>
-              <a:rPr lang="nl-NL" b="1" dirty="0"/>
-              <a:t> </a:t>
-            </a:r>
-            <a:r>
-              <a:rPr lang="nl-NL" b="1" dirty="0" err="1"/>
-              <a:t>irery</a:t>
-            </a:r>
-            <a:r>
-              <a:rPr lang="fr-FR" b="1" dirty="0"/>
-              <a:t/>
+              <a:rPr lang="en-GB" sz="6600" b="1" dirty="0" err="1"/>
+              <a:t>koa</a:t>
+            </a:r>
+            <a:r>
+              <a:rPr lang="en-GB" sz="6600" b="1" dirty="0"/>
+              <a:t>.</a:t>
+            </a:r>
+            <a:endParaRPr lang="fr-FR" sz="6600" dirty="0"/>
+          </a:p>
+        </p:txBody>
+      </p:sp>
+    </p:spTree>
+    <p:extLst>
+      <p:ext uri="{BB962C8B-B14F-4D97-AF65-F5344CB8AC3E}">
+        <p14:creationId xmlns:p14="http://schemas.microsoft.com/office/powerpoint/2010/main" val="953729675"/>
+      </p:ext>
+    </p:extLst>
+  </p:cSld>
+  <p:clrMapOvr>
+    <a:masterClrMapping/>
+  </p:clrMapOvr>
+</p:sld>
+</file>
+
+<file path=ppt/slides/slide8.xml><?xml version="1.0" encoding="utf-8"?>
+<p:sld xmlns:a="http://schemas.openxmlformats.org/drawingml/2006/main" xmlns:r="http://schemas.openxmlformats.org/officeDocument/2006/relationships" xmlns:p="http://schemas.openxmlformats.org/presentationml/2006/main">
+  <p:cSld>
+    <p:spTree>
+      <p:nvGrpSpPr>
+        <p:cNvPr id="1" name=""/>
+        <p:cNvGrpSpPr/>
+        <p:nvPr/>
+      </p:nvGrpSpPr>
+      <p:grpSpPr>
+        <a:xfrm>
+          <a:off x="0" y="0"/>
+          <a:ext cx="0" cy="0"/>
+          <a:chOff x="0" y="0"/>
+          <a:chExt cx="0" cy="0"/>
+        </a:xfrm>
+      </p:grpSpPr>
+      <p:sp>
+        <p:nvSpPr>
+          <p:cNvPr id="2" name="Titre 1"/>
+          <p:cNvSpPr>
+            <a:spLocks noGrp="1"/>
+          </p:cNvSpPr>
+          <p:nvPr>
+            <p:ph type="ctrTitle"/>
+          </p:nvPr>
+        </p:nvSpPr>
+        <p:spPr>
+          <a:xfrm>
+            <a:off x="0" y="699541"/>
+            <a:ext cx="9144000" cy="3708413"/>
+          </a:xfrm>
+        </p:spPr>
+        <p:txBody>
+          <a:bodyPr>
+            <a:noAutofit/>
+          </a:bodyPr>
+          <a:lstStyle/>
+          <a:p>
+            <a:r>
+              <a:rPr lang="en-GB" sz="6000" b="1" dirty="0"/>
+              <a:t>4) </a:t>
+            </a:r>
+            <a:r>
+              <a:rPr lang="en-GB" sz="6000" b="1" dirty="0" err="1"/>
+              <a:t>Tsy</a:t>
+            </a:r>
+            <a:r>
+              <a:rPr lang="en-GB" sz="6000" b="1" dirty="0"/>
+              <a:t> </a:t>
+            </a:r>
+            <a:r>
+              <a:rPr lang="en-GB" sz="6000" b="1" dirty="0" err="1"/>
+              <a:t>ahiko</a:t>
+            </a:r>
+            <a:r>
+              <a:rPr lang="en-GB" sz="6000" b="1" dirty="0"/>
+              <a:t> </a:t>
+            </a:r>
+            <a:r>
+              <a:rPr lang="en-GB" sz="6000" b="1" dirty="0" err="1"/>
+              <a:t>ny</a:t>
+            </a:r>
+            <a:r>
+              <a:rPr lang="en-GB" sz="6000" b="1" dirty="0"/>
+              <a:t> </a:t>
+            </a:r>
+            <a:r>
+              <a:rPr lang="en-GB" sz="6000" b="1" dirty="0" err="1"/>
+              <a:t>handany</a:t>
+            </a:r>
+            <a:r>
+              <a:rPr lang="en-GB" sz="6000" b="1" dirty="0"/>
+              <a:t>,</a:t>
             </a:r>
             <a:br>
-              <a:rPr lang="fr-FR" b="1" dirty="0"/>
+              <a:rPr lang="fr-FR" sz="6000" b="1" dirty="0"/>
             </a:br>
             <a:r>
-              <a:rPr lang="nl-NL" b="1" dirty="0"/>
+              <a:rPr lang="en-GB" sz="6000" b="1" dirty="0"/>
               <a:t>    </a:t>
             </a:r>
             <a:r>
-              <a:rPr lang="en-GB" b="1" dirty="0" err="1"/>
+              <a:rPr lang="en-GB" sz="6000" b="1" dirty="0" err="1"/>
+              <a:t>Holanina</a:t>
+            </a:r>
+            <a:r>
+              <a:rPr lang="en-GB" sz="6000" b="1" dirty="0"/>
+              <a:t> </a:t>
+            </a:r>
+            <a:r>
+              <a:rPr lang="en-GB" sz="6000" b="1" dirty="0" err="1"/>
+              <a:t>koa</a:t>
+            </a:r>
+            <a:r>
+              <a:rPr lang="en-GB" sz="6000" b="1" dirty="0"/>
+              <a:t>,</a:t>
+            </a:r>
+            <a:br>
+              <a:rPr lang="fr-FR" sz="6000" b="1" dirty="0"/>
+            </a:br>
+            <a:r>
+              <a:rPr lang="en-GB" sz="6000" b="1" dirty="0"/>
+              <a:t>   </a:t>
+            </a:r>
+            <a:r>
+              <a:rPr lang="en-GB" sz="6000" b="1" dirty="0" err="1"/>
+              <a:t>Fa</a:t>
+            </a:r>
+            <a:r>
+              <a:rPr lang="en-GB" sz="6000" b="1" dirty="0"/>
+              <a:t> </a:t>
+            </a:r>
+            <a:r>
+              <a:rPr lang="en-GB" sz="6000" b="1" dirty="0" err="1"/>
+              <a:t>famoizan-tsoa</a:t>
+            </a:r>
+            <a:r>
+              <a:rPr lang="en-GB" sz="6000" b="1" dirty="0"/>
+              <a:t> no </a:t>
+            </a:r>
+            <a:r>
+              <a:rPr lang="en-GB" sz="6000" b="1" dirty="0" err="1"/>
+              <a:t>hany</a:t>
+            </a:r>
+            <a:br>
+              <a:rPr lang="fr-FR" sz="6000" b="1" dirty="0"/>
+            </a:br>
+            <a:r>
+              <a:rPr lang="en-GB" sz="6000" b="1" dirty="0"/>
+              <a:t>    </a:t>
+            </a:r>
+            <a:r>
+              <a:rPr lang="en-GB" sz="6000" b="1" dirty="0" err="1"/>
+              <a:t>Ahefany</a:t>
+            </a:r>
+            <a:r>
+              <a:rPr lang="en-GB" sz="6000" b="1" dirty="0"/>
+              <a:t> </a:t>
+            </a:r>
+            <a:r>
+              <a:rPr lang="en-GB" sz="6000" b="1" dirty="0" err="1"/>
+              <a:t>soa</a:t>
+            </a:r>
+            <a:r>
+              <a:rPr lang="en-GB" sz="6000" b="1" dirty="0"/>
+              <a:t> ;</a:t>
+            </a:r>
+            <a:endParaRPr lang="fr-FR" sz="6000" b="1" dirty="0"/>
+          </a:p>
+        </p:txBody>
+      </p:sp>
+    </p:spTree>
+  </p:cSld>
+  <p:clrMapOvr>
+    <a:masterClrMapping/>
+  </p:clrMapOvr>
+</p:sld>
+</file>
+
+<file path=ppt/slides/slide9.xml><?xml version="1.0" encoding="utf-8"?>
+<p:sld xmlns:a="http://schemas.openxmlformats.org/drawingml/2006/main" xmlns:r="http://schemas.openxmlformats.org/officeDocument/2006/relationships" xmlns:p="http://schemas.openxmlformats.org/presentationml/2006/main">
+  <p:cSld>
+    <p:spTree>
+      <p:nvGrpSpPr>
+        <p:cNvPr id="1" name=""/>
+        <p:cNvGrpSpPr/>
+        <p:nvPr/>
+      </p:nvGrpSpPr>
+      <p:grpSpPr>
+        <a:xfrm>
+          <a:off x="0" y="0"/>
+          <a:ext cx="0" cy="0"/>
+          <a:chOff x="0" y="0"/>
+          <a:chExt cx="0" cy="0"/>
+        </a:xfrm>
+      </p:grpSpPr>
+      <p:sp>
+        <p:nvSpPr>
+          <p:cNvPr id="5" name="ZoneTexte 4">
+            <a:extLst>
+              <a:ext uri="{FF2B5EF4-FFF2-40B4-BE49-F238E27FC236}">
+                <a16:creationId xmlns:a16="http://schemas.microsoft.com/office/drawing/2014/main" id="{CDB3176A-88D0-78C8-1B57-536186C103EC}"/>
+              </a:ext>
+            </a:extLst>
+          </p:cNvPr>
+          <p:cNvSpPr txBox="1"/>
+          <p:nvPr/>
+        </p:nvSpPr>
+        <p:spPr>
+          <a:xfrm>
+            <a:off x="0" y="504998"/>
+            <a:ext cx="9144000" cy="4154984"/>
+          </a:xfrm>
+          <a:prstGeom prst="rect">
+            <a:avLst/>
+          </a:prstGeom>
+          <a:noFill/>
+        </p:spPr>
+        <p:txBody>
+          <a:bodyPr wrap="square">
+            <a:spAutoFit/>
+          </a:bodyPr>
+          <a:lstStyle/>
+          <a:p>
+            <a:pPr algn="ctr"/>
+            <a:r>
+              <a:rPr lang="en-GB" sz="6600" b="1" dirty="0"/>
+              <a:t> </a:t>
+            </a:r>
+            <a:r>
+              <a:rPr lang="nl-NL" sz="6600" b="1" dirty="0"/>
+              <a:t>Na </a:t>
+            </a:r>
+            <a:r>
+              <a:rPr lang="nl-NL" sz="6600" b="1" dirty="0" err="1"/>
+              <a:t>ny</a:t>
+            </a:r>
+            <a:r>
+              <a:rPr lang="nl-NL" sz="6600" b="1" dirty="0"/>
+              <a:t> </a:t>
+            </a:r>
+            <a:r>
+              <a:rPr lang="nl-NL" sz="6600" b="1" dirty="0" err="1"/>
+              <a:t>saiko</a:t>
+            </a:r>
+            <a:r>
+              <a:rPr lang="nl-NL" sz="6600" b="1" dirty="0"/>
+              <a:t>, na </a:t>
+            </a:r>
+            <a:r>
+              <a:rPr lang="nl-NL" sz="6600" b="1" dirty="0" err="1"/>
+              <a:t>ny</a:t>
+            </a:r>
+            <a:r>
+              <a:rPr lang="nl-NL" sz="6600" b="1" dirty="0"/>
+              <a:t> </a:t>
+            </a:r>
+            <a:r>
+              <a:rPr lang="nl-NL" sz="6600" b="1" dirty="0" err="1"/>
+              <a:t>aiko</a:t>
+            </a:r>
+            <a:r>
+              <a:rPr lang="nl-NL" sz="6600" b="1" dirty="0"/>
+              <a:t>,</a:t>
+            </a:r>
+            <a:br>
+              <a:rPr lang="fr-FR" sz="6600" b="1" dirty="0"/>
+            </a:br>
+            <a:r>
+              <a:rPr lang="nl-NL" sz="6600" b="1" dirty="0" err="1"/>
+              <a:t>Andro</a:t>
+            </a:r>
+            <a:r>
+              <a:rPr lang="nl-NL" sz="6600" b="1" dirty="0"/>
+              <a:t>, </a:t>
+            </a:r>
+            <a:r>
+              <a:rPr lang="nl-NL" sz="6600" b="1" dirty="0" err="1"/>
+              <a:t>vola</a:t>
+            </a:r>
+            <a:r>
+              <a:rPr lang="nl-NL" sz="6600" b="1" dirty="0"/>
+              <a:t> </a:t>
+            </a:r>
+            <a:r>
+              <a:rPr lang="nl-NL" sz="6600" b="1" dirty="0" err="1"/>
+              <a:t>koa</a:t>
+            </a:r>
+            <a:r>
+              <a:rPr lang="nl-NL" sz="6600" b="1" dirty="0"/>
+              <a:t>,</a:t>
+            </a:r>
+            <a:br>
+              <a:rPr lang="fr-FR" sz="6600" b="1" dirty="0"/>
+            </a:br>
+            <a:r>
+              <a:rPr lang="nl-NL" sz="6600" b="1" dirty="0" err="1"/>
               <a:t>Tsy</a:t>
             </a:r>
             <a:r>
-              <a:rPr lang="en-GB" b="1" dirty="0"/>
-              <a:t> </a:t>
-            </a:r>
-            <a:r>
-              <a:rPr lang="en-GB" b="1" dirty="0" err="1"/>
-              <a:t>mahef</a:t>
-            </a:r>
-            <a:r>
-              <a:rPr lang="en-GB" b="1" i="1" dirty="0" err="1"/>
-              <a:t>a</a:t>
-            </a:r>
-            <a:r>
-              <a:rPr lang="en-GB" b="1" dirty="0"/>
-              <a:t>  </a:t>
-            </a:r>
-            <a:r>
-              <a:rPr lang="en-GB" b="1" dirty="0" err="1"/>
-              <a:t>izao</a:t>
-            </a:r>
-            <a:r>
-              <a:rPr lang="en-GB" b="1" dirty="0"/>
+              <a:rPr lang="nl-NL" sz="6600" b="1" dirty="0"/>
+              <a:t> </a:t>
+            </a:r>
+            <a:r>
+              <a:rPr lang="nl-NL" sz="6600" b="1" dirty="0" err="1"/>
+              <a:t>mba</a:t>
+            </a:r>
+            <a:r>
+              <a:rPr lang="nl-NL" sz="6600" b="1" dirty="0"/>
+              <a:t> </a:t>
+            </a:r>
+            <a:r>
+              <a:rPr lang="nl-NL" sz="6600" b="1" dirty="0" err="1"/>
+              <a:t>misy</a:t>
+            </a:r>
+            <a:r>
+              <a:rPr lang="nl-NL" sz="6600" b="1" dirty="0"/>
+              <a:t> </a:t>
+            </a:r>
+            <a:r>
+              <a:rPr lang="nl-NL" sz="6600" b="1" dirty="0" err="1"/>
+              <a:t>holalaiko</a:t>
+            </a:r>
+            <a:r>
+              <a:rPr lang="nl-NL" sz="6600" b="1" dirty="0"/>
               <a:t>,</a:t>
             </a:r>
-            <a:r>
-              <a:rPr lang="fr-FR" b="1" dirty="0"/>
-              <a:t/>
-            </a:r>
             <a:br>
-              <a:rPr lang="fr-FR" b="1" dirty="0"/>
+              <a:rPr lang="fr-FR" sz="6600" b="1" dirty="0"/>
             </a:br>
             <a:r>
-              <a:rPr lang="en-GB" b="1" dirty="0"/>
-              <a:t>   Ka </a:t>
-            </a:r>
-            <a:r>
-              <a:rPr lang="en-GB" b="1" dirty="0" err="1"/>
-              <a:t>mangataka</a:t>
-            </a:r>
-            <a:r>
-              <a:rPr lang="en-GB" b="1" dirty="0"/>
-              <a:t> </a:t>
-            </a:r>
-            <a:r>
-              <a:rPr lang="en-GB" b="1" dirty="0" err="1"/>
-              <a:t>ny</a:t>
-            </a:r>
-            <a:r>
-              <a:rPr lang="en-GB" b="1" dirty="0"/>
-              <a:t> </a:t>
-            </a:r>
-            <a:r>
-              <a:rPr lang="en-GB" b="1" dirty="0" err="1"/>
-              <a:t>hery</a:t>
-            </a:r>
-            <a:r>
-              <a:rPr lang="fr-FR" b="1" dirty="0"/>
-              <a:t/>
-            </a:r>
-            <a:br>
-              <a:rPr lang="fr-FR" b="1" dirty="0"/>
-            </a:br>
-            <a:r>
-              <a:rPr lang="en-GB" b="1" dirty="0"/>
-              <a:t>    </a:t>
-            </a:r>
-            <a:r>
-              <a:rPr lang="en-GB" b="1" dirty="0" err="1"/>
-              <a:t>Eo</a:t>
-            </a:r>
-            <a:r>
-              <a:rPr lang="en-GB" b="1" dirty="0"/>
-              <a:t> an-</a:t>
-            </a:r>
-            <a:r>
-              <a:rPr lang="en-GB" b="1" dirty="0" err="1"/>
-              <a:t>tananao</a:t>
-            </a:r>
-            <a:r>
-              <a:rPr lang="en-GB" b="1" dirty="0"/>
-              <a:t>,</a:t>
-            </a:r>
-            <a:r>
-              <a:rPr lang="fr-FR" b="1" dirty="0"/>
-              <a:t/>
-            </a:r>
-            <a:br>
-              <a:rPr lang="fr-FR" b="1" dirty="0"/>
-            </a:br>
-            <a:r>
-              <a:rPr lang="en-GB" b="1" dirty="0"/>
-              <a:t>   </a:t>
-            </a:r>
-            <a:r>
-              <a:rPr lang="en-GB" b="1" dirty="0" err="1"/>
-              <a:t>Aoka</a:t>
-            </a:r>
-            <a:r>
-              <a:rPr lang="en-GB" b="1" dirty="0"/>
-              <a:t> ho </a:t>
-            </a:r>
-            <a:r>
-              <a:rPr lang="en-GB" b="1" dirty="0" err="1"/>
-              <a:t>feno</a:t>
-            </a:r>
-            <a:r>
-              <a:rPr lang="en-GB" b="1" dirty="0"/>
-              <a:t> </a:t>
-            </a:r>
-            <a:r>
-              <a:rPr lang="en-GB" b="1" dirty="0" err="1"/>
-              <a:t>ny</a:t>
-            </a:r>
-            <a:r>
-              <a:rPr lang="en-GB" b="1" dirty="0"/>
-              <a:t> </a:t>
-            </a:r>
-            <a:r>
-              <a:rPr lang="en-GB" b="1" dirty="0" err="1"/>
-              <a:t>Fanahy</a:t>
-            </a:r>
-            <a:r>
-              <a:rPr lang="fr-FR" b="1" dirty="0"/>
-              <a:t/>
-            </a:r>
-            <a:br>
-              <a:rPr lang="fr-FR" b="1" dirty="0"/>
-            </a:br>
-            <a:r>
-              <a:rPr lang="en-GB" b="1" dirty="0"/>
-              <a:t>    </a:t>
-            </a:r>
-            <a:r>
-              <a:rPr lang="en-GB" b="1" dirty="0" err="1"/>
-              <a:t>Ny</a:t>
-            </a:r>
-            <a:r>
-              <a:rPr lang="en-GB" b="1" dirty="0"/>
-              <a:t> </a:t>
-            </a:r>
-            <a:r>
-              <a:rPr lang="en-GB" b="1" dirty="0" err="1"/>
-              <a:t>mpanomponao</a:t>
-            </a:r>
-            <a:r>
-              <a:rPr lang="en-GB" b="1" dirty="0"/>
-              <a:t>,</a:t>
-            </a:r>
-            <a:r>
-              <a:rPr lang="fr-FR" b="1" dirty="0"/>
-              <a:t/>
-            </a:r>
-            <a:br>
-              <a:rPr lang="fr-FR" b="1" dirty="0"/>
-            </a:br>
-            <a:r>
-              <a:rPr lang="en-GB" b="1" dirty="0"/>
-              <a:t>   </a:t>
-            </a:r>
-            <a:r>
-              <a:rPr lang="en-GB" b="1" dirty="0" err="1"/>
-              <a:t>Mba</a:t>
-            </a:r>
-            <a:r>
-              <a:rPr lang="en-GB" b="1" dirty="0"/>
-              <a:t> ho </a:t>
-            </a:r>
-            <a:r>
-              <a:rPr lang="en-GB" b="1" dirty="0" err="1"/>
-              <a:t>tena</a:t>
-            </a:r>
-            <a:r>
-              <a:rPr lang="en-GB" b="1" dirty="0"/>
-              <a:t> </a:t>
-            </a:r>
-            <a:r>
-              <a:rPr lang="en-GB" b="1" dirty="0" err="1"/>
-              <a:t>lehilahy</a:t>
-            </a:r>
-            <a:r>
-              <a:rPr lang="en-GB" b="1" dirty="0"/>
-              <a:t>*</a:t>
-            </a:r>
-            <a:r>
-              <a:rPr lang="fr-FR" b="1" dirty="0"/>
-              <a:t/>
-            </a:r>
-            <a:br>
-              <a:rPr lang="fr-FR" b="1" dirty="0"/>
-            </a:br>
-            <a:r>
-              <a:rPr lang="en-GB" b="1" dirty="0"/>
-              <a:t>    </a:t>
-            </a:r>
-            <a:r>
-              <a:rPr lang="en-GB" b="1" dirty="0" err="1"/>
-              <a:t>Voahosotrao</a:t>
-            </a:r>
-            <a:r>
-              <a:rPr lang="en-GB" b="1" dirty="0"/>
-              <a:t>..</a:t>
-            </a:r>
-            <a:endParaRPr lang="fr-FR" b="1" dirty="0"/>
+              <a:rPr lang="nl-NL" sz="6600" b="1" dirty="0" err="1"/>
+              <a:t>Foiko</a:t>
+            </a:r>
+            <a:r>
+              <a:rPr lang="nl-NL" sz="6600" b="1" dirty="0"/>
+              <a:t> </a:t>
+            </a:r>
+            <a:r>
+              <a:rPr lang="nl-NL" sz="6600" b="1" dirty="0" err="1"/>
+              <a:t>avokoa</a:t>
+            </a:r>
+            <a:r>
+              <a:rPr lang="nl-NL" sz="6600" b="1" dirty="0"/>
+              <a:t>.</a:t>
+            </a:r>
+            <a:endParaRPr lang="fr-FR" sz="6600" dirty="0"/>
           </a:p>
         </p:txBody>
       </p:sp>
     </p:spTree>
+    <p:extLst>
+      <p:ext uri="{BB962C8B-B14F-4D97-AF65-F5344CB8AC3E}">
+        <p14:creationId xmlns:p14="http://schemas.microsoft.com/office/powerpoint/2010/main" val="2103702919"/>
+      </p:ext>
+    </p:extLst>
   </p:cSld>
   <p:clrMapOvr>
     <a:masterClrMapping/>
